--- a/misc/reading-materials/Keyword and Named Entity Recognition on Air Traffic.pptx
+++ b/misc/reading-materials/Keyword and Named Entity Recognition on Air Traffic.pptx
@@ -4,6 +4,9 @@
   <p:sldMasterIdLst>
     <p:sldMasterId id="2147483678" r:id="rId1"/>
   </p:sldMasterIdLst>
+  <p:notesMasterIdLst>
+    <p:notesMasterId r:id="rId25"/>
+  </p:notesMasterIdLst>
   <p:sldIdLst>
     <p:sldId id="256" r:id="rId2"/>
     <p:sldId id="257" r:id="rId3"/>
@@ -14,25 +17,20 @@
     <p:sldId id="266" r:id="rId8"/>
     <p:sldId id="267" r:id="rId9"/>
     <p:sldId id="268" r:id="rId10"/>
-    <p:sldId id="269" r:id="rId11"/>
-    <p:sldId id="271" r:id="rId12"/>
-    <p:sldId id="272" r:id="rId13"/>
-    <p:sldId id="273" r:id="rId14"/>
-    <p:sldId id="274" r:id="rId15"/>
-    <p:sldId id="295" r:id="rId16"/>
-    <p:sldId id="270" r:id="rId17"/>
-    <p:sldId id="284" r:id="rId18"/>
-    <p:sldId id="294" r:id="rId19"/>
-    <p:sldId id="286" r:id="rId20"/>
-    <p:sldId id="287" r:id="rId21"/>
-    <p:sldId id="289" r:id="rId22"/>
-    <p:sldId id="291" r:id="rId23"/>
-    <p:sldId id="293" r:id="rId24"/>
-    <p:sldId id="292" r:id="rId25"/>
-    <p:sldId id="277" r:id="rId26"/>
-    <p:sldId id="279" r:id="rId27"/>
-    <p:sldId id="280" r:id="rId28"/>
-    <p:sldId id="281" r:id="rId29"/>
+    <p:sldId id="271" r:id="rId11"/>
+    <p:sldId id="270" r:id="rId12"/>
+    <p:sldId id="284" r:id="rId13"/>
+    <p:sldId id="294" r:id="rId14"/>
+    <p:sldId id="286" r:id="rId15"/>
+    <p:sldId id="287" r:id="rId16"/>
+    <p:sldId id="289" r:id="rId17"/>
+    <p:sldId id="291" r:id="rId18"/>
+    <p:sldId id="293" r:id="rId19"/>
+    <p:sldId id="292" r:id="rId20"/>
+    <p:sldId id="277" r:id="rId21"/>
+    <p:sldId id="279" r:id="rId22"/>
+    <p:sldId id="280" r:id="rId23"/>
+    <p:sldId id="281" r:id="rId24"/>
   </p:sldIdLst>
   <p:sldSz cx="12192000" cy="6858000"/>
   <p:notesSz cx="6858000" cy="9144000"/>
@@ -139,6 +137,356 @@
 </p:presentation>
 </file>
 
+<file path=ppt/notesMasters/notesMaster1.xml><?xml version="1.0" encoding="utf-8"?>
+<p:notesMaster xmlns:a="http://schemas.openxmlformats.org/drawingml/2006/main" xmlns:r="http://schemas.openxmlformats.org/officeDocument/2006/relationships" xmlns:p="http://schemas.openxmlformats.org/presentationml/2006/main">
+  <p:cSld>
+    <p:bg>
+      <p:bgRef idx="1001">
+        <a:schemeClr val="bg1"/>
+      </p:bgRef>
+    </p:bg>
+    <p:spTree>
+      <p:nvGrpSpPr>
+        <p:cNvPr id="1" name=""/>
+        <p:cNvGrpSpPr/>
+        <p:nvPr/>
+      </p:nvGrpSpPr>
+      <p:grpSpPr>
+        <a:xfrm>
+          <a:off x="0" y="0"/>
+          <a:ext cx="0" cy="0"/>
+          <a:chOff x="0" y="0"/>
+          <a:chExt cx="0" cy="0"/>
+        </a:xfrm>
+      </p:grpSpPr>
+      <p:sp>
+        <p:nvSpPr>
+          <p:cNvPr id="2" name="Header Placeholder 1"/>
+          <p:cNvSpPr>
+            <a:spLocks noGrp="1"/>
+          </p:cNvSpPr>
+          <p:nvPr>
+            <p:ph type="hdr" sz="quarter"/>
+          </p:nvPr>
+        </p:nvSpPr>
+        <p:spPr>
+          <a:xfrm>
+            <a:off x="0" y="0"/>
+            <a:ext cx="2971800" cy="458788"/>
+          </a:xfrm>
+          <a:prstGeom prst="rect">
+            <a:avLst/>
+          </a:prstGeom>
+        </p:spPr>
+        <p:txBody>
+          <a:bodyPr vert="horz" lIns="91440" tIns="45720" rIns="91440" bIns="45720" rtlCol="0"/>
+          <a:lstStyle>
+            <a:lvl1pPr algn="l">
+              <a:defRPr sz="1200"/>
+            </a:lvl1pPr>
+          </a:lstStyle>
+          <a:p>
+            <a:endParaRPr lang="en-SG"/>
+          </a:p>
+        </p:txBody>
+      </p:sp>
+      <p:sp>
+        <p:nvSpPr>
+          <p:cNvPr id="3" name="Date Placeholder 2"/>
+          <p:cNvSpPr>
+            <a:spLocks noGrp="1"/>
+          </p:cNvSpPr>
+          <p:nvPr>
+            <p:ph type="dt" idx="1"/>
+          </p:nvPr>
+        </p:nvSpPr>
+        <p:spPr>
+          <a:xfrm>
+            <a:off x="3884613" y="0"/>
+            <a:ext cx="2971800" cy="458788"/>
+          </a:xfrm>
+          <a:prstGeom prst="rect">
+            <a:avLst/>
+          </a:prstGeom>
+        </p:spPr>
+        <p:txBody>
+          <a:bodyPr vert="horz" lIns="91440" tIns="45720" rIns="91440" bIns="45720" rtlCol="0"/>
+          <a:lstStyle>
+            <a:lvl1pPr algn="r">
+              <a:defRPr sz="1200"/>
+            </a:lvl1pPr>
+          </a:lstStyle>
+          <a:p>
+            <a:fld id="{3C39790C-1483-45A9-A0DC-3169C3C90F74}" type="datetimeFigureOut">
+              <a:rPr lang="en-SG" smtClean="0"/>
+              <a:t>25/4/2020</a:t>
+            </a:fld>
+            <a:endParaRPr lang="en-SG"/>
+          </a:p>
+        </p:txBody>
+      </p:sp>
+      <p:sp>
+        <p:nvSpPr>
+          <p:cNvPr id="4" name="Slide Image Placeholder 3"/>
+          <p:cNvSpPr>
+            <a:spLocks noGrp="1" noRot="1" noChangeAspect="1"/>
+          </p:cNvSpPr>
+          <p:nvPr>
+            <p:ph type="sldImg" idx="2"/>
+          </p:nvPr>
+        </p:nvSpPr>
+        <p:spPr>
+          <a:xfrm>
+            <a:off x="685800" y="1143000"/>
+            <a:ext cx="5486400" cy="3086100"/>
+          </a:xfrm>
+          <a:prstGeom prst="rect">
+            <a:avLst/>
+          </a:prstGeom>
+          <a:noFill/>
+          <a:ln w="12700">
+            <a:solidFill>
+              <a:prstClr val="black"/>
+            </a:solidFill>
+          </a:ln>
+        </p:spPr>
+        <p:txBody>
+          <a:bodyPr vert="horz" lIns="91440" tIns="45720" rIns="91440" bIns="45720" rtlCol="0" anchor="ctr"/>
+          <a:lstStyle/>
+          <a:p>
+            <a:endParaRPr lang="en-SG"/>
+          </a:p>
+        </p:txBody>
+      </p:sp>
+      <p:sp>
+        <p:nvSpPr>
+          <p:cNvPr id="5" name="Notes Placeholder 4"/>
+          <p:cNvSpPr>
+            <a:spLocks noGrp="1"/>
+          </p:cNvSpPr>
+          <p:nvPr>
+            <p:ph type="body" sz="quarter" idx="3"/>
+          </p:nvPr>
+        </p:nvSpPr>
+        <p:spPr>
+          <a:xfrm>
+            <a:off x="685800" y="4400550"/>
+            <a:ext cx="5486400" cy="3600450"/>
+          </a:xfrm>
+          <a:prstGeom prst="rect">
+            <a:avLst/>
+          </a:prstGeom>
+        </p:spPr>
+        <p:txBody>
+          <a:bodyPr vert="horz" lIns="91440" tIns="45720" rIns="91440" bIns="45720" rtlCol="0"/>
+          <a:lstStyle/>
+          <a:p>
+            <a:pPr lvl="0"/>
+            <a:r>
+              <a:rPr lang="en-US"/>
+              <a:t>Click to edit Master text styles</a:t>
+            </a:r>
+          </a:p>
+          <a:p>
+            <a:pPr lvl="1"/>
+            <a:r>
+              <a:rPr lang="en-US"/>
+              <a:t>Second level</a:t>
+            </a:r>
+          </a:p>
+          <a:p>
+            <a:pPr lvl="2"/>
+            <a:r>
+              <a:rPr lang="en-US"/>
+              <a:t>Third level</a:t>
+            </a:r>
+          </a:p>
+          <a:p>
+            <a:pPr lvl="3"/>
+            <a:r>
+              <a:rPr lang="en-US"/>
+              <a:t>Fourth level</a:t>
+            </a:r>
+          </a:p>
+          <a:p>
+            <a:pPr lvl="4"/>
+            <a:r>
+              <a:rPr lang="en-US"/>
+              <a:t>Fifth level</a:t>
+            </a:r>
+            <a:endParaRPr lang="en-SG"/>
+          </a:p>
+        </p:txBody>
+      </p:sp>
+      <p:sp>
+        <p:nvSpPr>
+          <p:cNvPr id="6" name="Footer Placeholder 5"/>
+          <p:cNvSpPr>
+            <a:spLocks noGrp="1"/>
+          </p:cNvSpPr>
+          <p:nvPr>
+            <p:ph type="ftr" sz="quarter" idx="4"/>
+          </p:nvPr>
+        </p:nvSpPr>
+        <p:spPr>
+          <a:xfrm>
+            <a:off x="0" y="8685213"/>
+            <a:ext cx="2971800" cy="458787"/>
+          </a:xfrm>
+          <a:prstGeom prst="rect">
+            <a:avLst/>
+          </a:prstGeom>
+        </p:spPr>
+        <p:txBody>
+          <a:bodyPr vert="horz" lIns="91440" tIns="45720" rIns="91440" bIns="45720" rtlCol="0" anchor="b"/>
+          <a:lstStyle>
+            <a:lvl1pPr algn="l">
+              <a:defRPr sz="1200"/>
+            </a:lvl1pPr>
+          </a:lstStyle>
+          <a:p>
+            <a:endParaRPr lang="en-SG"/>
+          </a:p>
+        </p:txBody>
+      </p:sp>
+      <p:sp>
+        <p:nvSpPr>
+          <p:cNvPr id="7" name="Slide Number Placeholder 6"/>
+          <p:cNvSpPr>
+            <a:spLocks noGrp="1"/>
+          </p:cNvSpPr>
+          <p:nvPr>
+            <p:ph type="sldNum" sz="quarter" idx="5"/>
+          </p:nvPr>
+        </p:nvSpPr>
+        <p:spPr>
+          <a:xfrm>
+            <a:off x="3884613" y="8685213"/>
+            <a:ext cx="2971800" cy="458787"/>
+          </a:xfrm>
+          <a:prstGeom prst="rect">
+            <a:avLst/>
+          </a:prstGeom>
+        </p:spPr>
+        <p:txBody>
+          <a:bodyPr vert="horz" lIns="91440" tIns="45720" rIns="91440" bIns="45720" rtlCol="0" anchor="b"/>
+          <a:lstStyle>
+            <a:lvl1pPr algn="r">
+              <a:defRPr sz="1200"/>
+            </a:lvl1pPr>
+          </a:lstStyle>
+          <a:p>
+            <a:fld id="{C03BE7DB-C7D1-4C4A-93D9-69C4C2615E73}" type="slidenum">
+              <a:rPr lang="en-SG" smtClean="0"/>
+              <a:t>‹#›</a:t>
+            </a:fld>
+            <a:endParaRPr lang="en-SG"/>
+          </a:p>
+        </p:txBody>
+      </p:sp>
+    </p:spTree>
+    <p:extLst>
+      <p:ext uri="{BB962C8B-B14F-4D97-AF65-F5344CB8AC3E}">
+        <p14:creationId xmlns:p14="http://schemas.microsoft.com/office/powerpoint/2010/main" val="3334752011"/>
+      </p:ext>
+    </p:extLst>
+  </p:cSld>
+  <p:clrMap bg1="lt1" tx1="dk1" bg2="lt2" tx2="dk2" accent1="accent1" accent2="accent2" accent3="accent3" accent4="accent4" accent5="accent5" accent6="accent6" hlink="hlink" folHlink="folHlink"/>
+  <p:notesStyle>
+    <a:lvl1pPr marL="0" algn="l" defTabSz="914400" rtl="0" eaLnBrk="1" latinLnBrk="0" hangingPunct="1">
+      <a:defRPr sz="1200" kern="1200">
+        <a:solidFill>
+          <a:schemeClr val="tx1"/>
+        </a:solidFill>
+        <a:latin typeface="+mn-lt"/>
+        <a:ea typeface="+mn-ea"/>
+        <a:cs typeface="+mn-cs"/>
+      </a:defRPr>
+    </a:lvl1pPr>
+    <a:lvl2pPr marL="457200" algn="l" defTabSz="914400" rtl="0" eaLnBrk="1" latinLnBrk="0" hangingPunct="1">
+      <a:defRPr sz="1200" kern="1200">
+        <a:solidFill>
+          <a:schemeClr val="tx1"/>
+        </a:solidFill>
+        <a:latin typeface="+mn-lt"/>
+        <a:ea typeface="+mn-ea"/>
+        <a:cs typeface="+mn-cs"/>
+      </a:defRPr>
+    </a:lvl2pPr>
+    <a:lvl3pPr marL="914400" algn="l" defTabSz="914400" rtl="0" eaLnBrk="1" latinLnBrk="0" hangingPunct="1">
+      <a:defRPr sz="1200" kern="1200">
+        <a:solidFill>
+          <a:schemeClr val="tx1"/>
+        </a:solidFill>
+        <a:latin typeface="+mn-lt"/>
+        <a:ea typeface="+mn-ea"/>
+        <a:cs typeface="+mn-cs"/>
+      </a:defRPr>
+    </a:lvl3pPr>
+    <a:lvl4pPr marL="1371600" algn="l" defTabSz="914400" rtl="0" eaLnBrk="1" latinLnBrk="0" hangingPunct="1">
+      <a:defRPr sz="1200" kern="1200">
+        <a:solidFill>
+          <a:schemeClr val="tx1"/>
+        </a:solidFill>
+        <a:latin typeface="+mn-lt"/>
+        <a:ea typeface="+mn-ea"/>
+        <a:cs typeface="+mn-cs"/>
+      </a:defRPr>
+    </a:lvl4pPr>
+    <a:lvl5pPr marL="1828800" algn="l" defTabSz="914400" rtl="0" eaLnBrk="1" latinLnBrk="0" hangingPunct="1">
+      <a:defRPr sz="1200" kern="1200">
+        <a:solidFill>
+          <a:schemeClr val="tx1"/>
+        </a:solidFill>
+        <a:latin typeface="+mn-lt"/>
+        <a:ea typeface="+mn-ea"/>
+        <a:cs typeface="+mn-cs"/>
+      </a:defRPr>
+    </a:lvl5pPr>
+    <a:lvl6pPr marL="2286000" algn="l" defTabSz="914400" rtl="0" eaLnBrk="1" latinLnBrk="0" hangingPunct="1">
+      <a:defRPr sz="1200" kern="1200">
+        <a:solidFill>
+          <a:schemeClr val="tx1"/>
+        </a:solidFill>
+        <a:latin typeface="+mn-lt"/>
+        <a:ea typeface="+mn-ea"/>
+        <a:cs typeface="+mn-cs"/>
+      </a:defRPr>
+    </a:lvl6pPr>
+    <a:lvl7pPr marL="2743200" algn="l" defTabSz="914400" rtl="0" eaLnBrk="1" latinLnBrk="0" hangingPunct="1">
+      <a:defRPr sz="1200" kern="1200">
+        <a:solidFill>
+          <a:schemeClr val="tx1"/>
+        </a:solidFill>
+        <a:latin typeface="+mn-lt"/>
+        <a:ea typeface="+mn-ea"/>
+        <a:cs typeface="+mn-cs"/>
+      </a:defRPr>
+    </a:lvl7pPr>
+    <a:lvl8pPr marL="3200400" algn="l" defTabSz="914400" rtl="0" eaLnBrk="1" latinLnBrk="0" hangingPunct="1">
+      <a:defRPr sz="1200" kern="1200">
+        <a:solidFill>
+          <a:schemeClr val="tx1"/>
+        </a:solidFill>
+        <a:latin typeface="+mn-lt"/>
+        <a:ea typeface="+mn-ea"/>
+        <a:cs typeface="+mn-cs"/>
+      </a:defRPr>
+    </a:lvl8pPr>
+    <a:lvl9pPr marL="3657600" algn="l" defTabSz="914400" rtl="0" eaLnBrk="1" latinLnBrk="0" hangingPunct="1">
+      <a:defRPr sz="1200" kern="1200">
+        <a:solidFill>
+          <a:schemeClr val="tx1"/>
+        </a:solidFill>
+        <a:latin typeface="+mn-lt"/>
+        <a:ea typeface="+mn-ea"/>
+        <a:cs typeface="+mn-cs"/>
+      </a:defRPr>
+    </a:lvl9pPr>
+  </p:notesStyle>
+</p:notesMaster>
+</file>
+
 <file path=ppt/slideLayouts/slideLayout1.xml><?xml version="1.0" encoding="utf-8"?>
 <p:sldLayout xmlns:a="http://schemas.openxmlformats.org/drawingml/2006/main" xmlns:r="http://schemas.openxmlformats.org/officeDocument/2006/relationships" xmlns:p="http://schemas.openxmlformats.org/presentationml/2006/main" type="title" preserve="1">
   <p:cSld name="Title Slide">
@@ -325,7 +673,7 @@
           <a:p>
             <a:fld id="{51422092-FED4-4D7B-AB6A-7005FC18E9A2}" type="datetimeFigureOut">
               <a:rPr lang="en-SG" smtClean="0"/>
-              <a:t>24/4/2020</a:t>
+              <a:t>25/4/2020</a:t>
             </a:fld>
             <a:endParaRPr lang="en-SG"/>
           </a:p>
@@ -600,7 +948,7 @@
           <a:p>
             <a:fld id="{51422092-FED4-4D7B-AB6A-7005FC18E9A2}" type="datetimeFigureOut">
               <a:rPr lang="en-SG" smtClean="0"/>
-              <a:t>24/4/2020</a:t>
+              <a:t>25/4/2020</a:t>
             </a:fld>
             <a:endParaRPr lang="en-SG"/>
           </a:p>
@@ -794,7 +1142,7 @@
           <a:p>
             <a:fld id="{51422092-FED4-4D7B-AB6A-7005FC18E9A2}" type="datetimeFigureOut">
               <a:rPr lang="en-SG" smtClean="0"/>
-              <a:t>24/4/2020</a:t>
+              <a:t>25/4/2020</a:t>
             </a:fld>
             <a:endParaRPr lang="en-SG"/>
           </a:p>
@@ -1067,7 +1415,7 @@
           <a:p>
             <a:fld id="{51422092-FED4-4D7B-AB6A-7005FC18E9A2}" type="datetimeFigureOut">
               <a:rPr lang="en-SG" smtClean="0"/>
-              <a:t>24/4/2020</a:t>
+              <a:t>25/4/2020</a:t>
             </a:fld>
             <a:endParaRPr lang="en-SG"/>
           </a:p>
@@ -1408,7 +1756,7 @@
           <a:p>
             <a:fld id="{51422092-FED4-4D7B-AB6A-7005FC18E9A2}" type="datetimeFigureOut">
               <a:rPr lang="en-SG" smtClean="0"/>
-              <a:t>24/4/2020</a:t>
+              <a:t>25/4/2020</a:t>
             </a:fld>
             <a:endParaRPr lang="en-SG"/>
           </a:p>
@@ -2031,7 +2379,7 @@
           <a:p>
             <a:fld id="{51422092-FED4-4D7B-AB6A-7005FC18E9A2}" type="datetimeFigureOut">
               <a:rPr lang="en-SG" smtClean="0"/>
-              <a:t>24/4/2020</a:t>
+              <a:t>25/4/2020</a:t>
             </a:fld>
             <a:endParaRPr lang="en-SG"/>
           </a:p>
@@ -2891,7 +3239,7 @@
           <a:p>
             <a:fld id="{51422092-FED4-4D7B-AB6A-7005FC18E9A2}" type="datetimeFigureOut">
               <a:rPr lang="en-SG" smtClean="0"/>
-              <a:t>24/4/2020</a:t>
+              <a:t>25/4/2020</a:t>
             </a:fld>
             <a:endParaRPr lang="en-SG"/>
           </a:p>
@@ -3061,7 +3409,7 @@
           <a:p>
             <a:fld id="{51422092-FED4-4D7B-AB6A-7005FC18E9A2}" type="datetimeFigureOut">
               <a:rPr lang="en-SG" smtClean="0"/>
-              <a:t>24/4/2020</a:t>
+              <a:t>25/4/2020</a:t>
             </a:fld>
             <a:endParaRPr lang="en-SG"/>
           </a:p>
@@ -3241,7 +3589,7 @@
           <a:p>
             <a:fld id="{51422092-FED4-4D7B-AB6A-7005FC18E9A2}" type="datetimeFigureOut">
               <a:rPr lang="en-SG" smtClean="0"/>
-              <a:t>24/4/2020</a:t>
+              <a:t>25/4/2020</a:t>
             </a:fld>
             <a:endParaRPr lang="en-SG"/>
           </a:p>
@@ -3411,7 +3759,7 @@
           <a:p>
             <a:fld id="{51422092-FED4-4D7B-AB6A-7005FC18E9A2}" type="datetimeFigureOut">
               <a:rPr lang="en-SG" smtClean="0"/>
-              <a:t>24/4/2020</a:t>
+              <a:t>25/4/2020</a:t>
             </a:fld>
             <a:endParaRPr lang="en-SG"/>
           </a:p>
@@ -3658,7 +4006,7 @@
           <a:p>
             <a:fld id="{51422092-FED4-4D7B-AB6A-7005FC18E9A2}" type="datetimeFigureOut">
               <a:rPr lang="en-SG" smtClean="0"/>
-              <a:t>24/4/2020</a:t>
+              <a:t>25/4/2020</a:t>
             </a:fld>
             <a:endParaRPr lang="en-SG"/>
           </a:p>
@@ -3950,7 +4298,7 @@
           <a:p>
             <a:fld id="{51422092-FED4-4D7B-AB6A-7005FC18E9A2}" type="datetimeFigureOut">
               <a:rPr lang="en-SG" smtClean="0"/>
-              <a:t>24/4/2020</a:t>
+              <a:t>25/4/2020</a:t>
             </a:fld>
             <a:endParaRPr lang="en-SG"/>
           </a:p>
@@ -4394,7 +4742,7 @@
           <a:p>
             <a:fld id="{51422092-FED4-4D7B-AB6A-7005FC18E9A2}" type="datetimeFigureOut">
               <a:rPr lang="en-SG" smtClean="0"/>
-              <a:t>24/4/2020</a:t>
+              <a:t>25/4/2020</a:t>
             </a:fld>
             <a:endParaRPr lang="en-SG"/>
           </a:p>
@@ -4512,7 +4860,7 @@
           <a:p>
             <a:fld id="{51422092-FED4-4D7B-AB6A-7005FC18E9A2}" type="datetimeFigureOut">
               <a:rPr lang="en-SG" smtClean="0"/>
-              <a:t>24/4/2020</a:t>
+              <a:t>25/4/2020</a:t>
             </a:fld>
             <a:endParaRPr lang="en-SG"/>
           </a:p>
@@ -4607,7 +4955,7 @@
           <a:p>
             <a:fld id="{51422092-FED4-4D7B-AB6A-7005FC18E9A2}" type="datetimeFigureOut">
               <a:rPr lang="en-SG" smtClean="0"/>
-              <a:t>24/4/2020</a:t>
+              <a:t>25/4/2020</a:t>
             </a:fld>
             <a:endParaRPr lang="en-SG"/>
           </a:p>
@@ -4886,7 +5234,7 @@
           <a:p>
             <a:fld id="{51422092-FED4-4D7B-AB6A-7005FC18E9A2}" type="datetimeFigureOut">
               <a:rPr lang="en-SG" smtClean="0"/>
-              <a:t>24/4/2020</a:t>
+              <a:t>25/4/2020</a:t>
             </a:fld>
             <a:endParaRPr lang="en-SG"/>
           </a:p>
@@ -5161,7 +5509,7 @@
           <a:p>
             <a:fld id="{51422092-FED4-4D7B-AB6A-7005FC18E9A2}" type="datetimeFigureOut">
               <a:rPr lang="en-SG" smtClean="0"/>
-              <a:t>24/4/2020</a:t>
+              <a:t>25/4/2020</a:t>
             </a:fld>
             <a:endParaRPr lang="en-SG"/>
           </a:p>
@@ -5590,7 +5938,7 @@
           <a:p>
             <a:fld id="{51422092-FED4-4D7B-AB6A-7005FC18E9A2}" type="datetimeFigureOut">
               <a:rPr lang="en-SG" smtClean="0"/>
-              <a:t>24/4/2020</a:t>
+              <a:t>25/4/2020</a:t>
             </a:fld>
             <a:endParaRPr lang="en-SG"/>
           </a:p>
@@ -6594,28 +6942,76 @@
             <p:ph type="title"/>
           </p:nvPr>
         </p:nvSpPr>
+        <p:spPr/>
+        <p:txBody>
+          <a:bodyPr/>
+          <a:lstStyle/>
+          <a:p>
+            <a:r>
+              <a:rPr lang="en-US" dirty="0"/>
+              <a:t>Air Traffic Control (ATC) text</a:t>
+            </a:r>
+            <a:endParaRPr lang="en-SG" dirty="0"/>
+          </a:p>
+        </p:txBody>
+      </p:sp>
+      <p:sp>
+        <p:nvSpPr>
+          <p:cNvPr id="3" name="Content Placeholder 2">
+            <a:extLst>
+              <a:ext uri="{FF2B5EF4-FFF2-40B4-BE49-F238E27FC236}">
+                <a16:creationId xmlns:a16="http://schemas.microsoft.com/office/drawing/2014/main" id="{29BF98B2-35BB-4D57-9C1D-DC627CBE6734}"/>
+              </a:ext>
+            </a:extLst>
+          </p:cNvPr>
+          <p:cNvSpPr>
+            <a:spLocks noGrp="1"/>
+          </p:cNvSpPr>
+          <p:nvPr>
+            <p:ph idx="1"/>
+          </p:nvPr>
+        </p:nvSpPr>
         <p:spPr>
           <a:xfrm>
-            <a:off x="2367317" y="2973569"/>
-            <a:ext cx="7457366" cy="910861"/>
+            <a:off x="645130" y="1713390"/>
+            <a:ext cx="9404723" cy="4535009"/>
           </a:xfrm>
         </p:spPr>
         <p:txBody>
-          <a:bodyPr/>
-          <a:lstStyle/>
-          <a:p>
-            <a:r>
-              <a:rPr lang="en-US" dirty="0"/>
-              <a:t>Air Traffic Control (ATC) text</a:t>
-            </a:r>
-            <a:endParaRPr lang="en-SG" dirty="0"/>
+          <a:bodyPr>
+            <a:normAutofit/>
+          </a:bodyPr>
+          <a:lstStyle/>
+          <a:p>
+            <a:r>
+              <a:rPr lang="en-US" sz="2400" dirty="0"/>
+              <a:t>ICAO refers to International Civil Aviation Organization</a:t>
+            </a:r>
+          </a:p>
+          <a:p>
+            <a:endParaRPr lang="en-US" sz="2400" dirty="0"/>
+          </a:p>
+          <a:p>
+            <a:r>
+              <a:rPr lang="en-US" sz="2400" dirty="0"/>
+              <a:t>Examples include ICAO alphabets and numbers, callsign, runway, taxi, frequency, clearance</a:t>
+            </a:r>
+          </a:p>
+          <a:p>
+            <a:endParaRPr lang="en-US" sz="2400" dirty="0"/>
+          </a:p>
+          <a:p>
+            <a:r>
+              <a:rPr lang="en-US" sz="2400" dirty="0"/>
+              <a:t>To prevent mistakes where words or numbers may sound similar</a:t>
+            </a:r>
           </a:p>
         </p:txBody>
       </p:sp>
     </p:spTree>
     <p:extLst>
       <p:ext uri="{BB962C8B-B14F-4D97-AF65-F5344CB8AC3E}">
-        <p14:creationId xmlns:p14="http://schemas.microsoft.com/office/powerpoint/2010/main" val="4004160130"/>
+        <p14:creationId xmlns:p14="http://schemas.microsoft.com/office/powerpoint/2010/main" val="241995452"/>
       </p:ext>
     </p:extLst>
   </p:cSld>
@@ -6658,559 +7054,6 @@
             <p:ph type="title"/>
           </p:nvPr>
         </p:nvSpPr>
-        <p:spPr/>
-        <p:txBody>
-          <a:bodyPr/>
-          <a:lstStyle/>
-          <a:p>
-            <a:r>
-              <a:rPr lang="en-US" dirty="0"/>
-              <a:t>ICAO alphabets and numbers</a:t>
-            </a:r>
-            <a:endParaRPr lang="en-SG" dirty="0"/>
-          </a:p>
-        </p:txBody>
-      </p:sp>
-      <p:sp>
-        <p:nvSpPr>
-          <p:cNvPr id="3" name="Content Placeholder 2">
-            <a:extLst>
-              <a:ext uri="{FF2B5EF4-FFF2-40B4-BE49-F238E27FC236}">
-                <a16:creationId xmlns:a16="http://schemas.microsoft.com/office/drawing/2014/main" id="{29BF98B2-35BB-4D57-9C1D-DC627CBE6734}"/>
-              </a:ext>
-            </a:extLst>
-          </p:cNvPr>
-          <p:cNvSpPr>
-            <a:spLocks noGrp="1"/>
-          </p:cNvSpPr>
-          <p:nvPr>
-            <p:ph idx="1"/>
-          </p:nvPr>
-        </p:nvSpPr>
-        <p:spPr>
-          <a:xfrm>
-            <a:off x="645130" y="1713390"/>
-            <a:ext cx="9404723" cy="4535009"/>
-          </a:xfrm>
-        </p:spPr>
-        <p:txBody>
-          <a:bodyPr>
-            <a:normAutofit/>
-          </a:bodyPr>
-          <a:lstStyle/>
-          <a:p>
-            <a:r>
-              <a:rPr lang="en-US" sz="2400" dirty="0"/>
-              <a:t>ICAO refers to International Civil Aviation Organization</a:t>
-            </a:r>
-          </a:p>
-          <a:p>
-            <a:endParaRPr lang="en-US" sz="2400" dirty="0"/>
-          </a:p>
-          <a:p>
-            <a:r>
-              <a:rPr lang="en-US" sz="2400" dirty="0"/>
-              <a:t>Uses radiotelephone spelling to represent letters of an alphabet in oral communication</a:t>
-            </a:r>
-          </a:p>
-          <a:p>
-            <a:endParaRPr lang="en-US" sz="2400" dirty="0"/>
-          </a:p>
-          <a:p>
-            <a:r>
-              <a:rPr lang="en-US" sz="2400" dirty="0"/>
-              <a:t>For instance, M and N are similar in pronunciation which may lead to communication errors</a:t>
-            </a:r>
-            <a:endParaRPr lang="en-SG" sz="2400" dirty="0"/>
-          </a:p>
-        </p:txBody>
-      </p:sp>
-    </p:spTree>
-    <p:extLst>
-      <p:ext uri="{BB962C8B-B14F-4D97-AF65-F5344CB8AC3E}">
-        <p14:creationId xmlns:p14="http://schemas.microsoft.com/office/powerpoint/2010/main" val="241995452"/>
-      </p:ext>
-    </p:extLst>
-  </p:cSld>
-  <p:clrMapOvr>
-    <a:masterClrMapping/>
-  </p:clrMapOvr>
-</p:sld>
-</file>
-
-<file path=ppt/slides/slide12.xml><?xml version="1.0" encoding="utf-8"?>
-<p:sld xmlns:a="http://schemas.openxmlformats.org/drawingml/2006/main" xmlns:r="http://schemas.openxmlformats.org/officeDocument/2006/relationships" xmlns:p="http://schemas.openxmlformats.org/presentationml/2006/main">
-  <p:cSld>
-    <p:spTree>
-      <p:nvGrpSpPr>
-        <p:cNvPr id="1" name=""/>
-        <p:cNvGrpSpPr/>
-        <p:nvPr/>
-      </p:nvGrpSpPr>
-      <p:grpSpPr>
-        <a:xfrm>
-          <a:off x="0" y="0"/>
-          <a:ext cx="0" cy="0"/>
-          <a:chOff x="0" y="0"/>
-          <a:chExt cx="0" cy="0"/>
-        </a:xfrm>
-      </p:grpSpPr>
-      <p:sp>
-        <p:nvSpPr>
-          <p:cNvPr id="2" name="Title 1">
-            <a:extLst>
-              <a:ext uri="{FF2B5EF4-FFF2-40B4-BE49-F238E27FC236}">
-                <a16:creationId xmlns:a16="http://schemas.microsoft.com/office/drawing/2014/main" id="{BF9677C8-0972-4C34-996A-5922E7BD2606}"/>
-              </a:ext>
-            </a:extLst>
-          </p:cNvPr>
-          <p:cNvSpPr>
-            <a:spLocks noGrp="1"/>
-          </p:cNvSpPr>
-          <p:nvPr>
-            <p:ph type="title"/>
-          </p:nvPr>
-        </p:nvSpPr>
-        <p:spPr/>
-        <p:txBody>
-          <a:bodyPr/>
-          <a:lstStyle/>
-          <a:p>
-            <a:r>
-              <a:rPr lang="en-US" dirty="0"/>
-              <a:t>Callsign</a:t>
-            </a:r>
-            <a:endParaRPr lang="en-SG" dirty="0"/>
-          </a:p>
-        </p:txBody>
-      </p:sp>
-      <p:sp>
-        <p:nvSpPr>
-          <p:cNvPr id="3" name="Content Placeholder 2">
-            <a:extLst>
-              <a:ext uri="{FF2B5EF4-FFF2-40B4-BE49-F238E27FC236}">
-                <a16:creationId xmlns:a16="http://schemas.microsoft.com/office/drawing/2014/main" id="{29BF98B2-35BB-4D57-9C1D-DC627CBE6734}"/>
-              </a:ext>
-            </a:extLst>
-          </p:cNvPr>
-          <p:cNvSpPr>
-            <a:spLocks noGrp="1"/>
-          </p:cNvSpPr>
-          <p:nvPr>
-            <p:ph idx="1"/>
-          </p:nvPr>
-        </p:nvSpPr>
-        <p:spPr>
-          <a:xfrm>
-            <a:off x="645130" y="1713390"/>
-            <a:ext cx="9404723" cy="4535009"/>
-          </a:xfrm>
-        </p:spPr>
-        <p:txBody>
-          <a:bodyPr/>
-          <a:lstStyle/>
-          <a:p>
-            <a:r>
-              <a:rPr lang="en-US" sz="2400" dirty="0"/>
-              <a:t>A unique identifier for an airplane</a:t>
-            </a:r>
-          </a:p>
-          <a:p>
-            <a:endParaRPr lang="en-US" sz="2400" dirty="0"/>
-          </a:p>
-          <a:p>
-            <a:r>
-              <a:rPr lang="en-US" sz="2400" dirty="0"/>
-              <a:t>Normally defined as an airline designator followed by a flight number</a:t>
-            </a:r>
-          </a:p>
-          <a:p>
-            <a:endParaRPr lang="en-US" sz="2400" dirty="0"/>
-          </a:p>
-          <a:p>
-            <a:r>
-              <a:rPr lang="en-US" sz="2400" dirty="0"/>
-              <a:t>For example, Singapore four three two</a:t>
-            </a:r>
-          </a:p>
-        </p:txBody>
-      </p:sp>
-    </p:spTree>
-    <p:extLst>
-      <p:ext uri="{BB962C8B-B14F-4D97-AF65-F5344CB8AC3E}">
-        <p14:creationId xmlns:p14="http://schemas.microsoft.com/office/powerpoint/2010/main" val="3851085621"/>
-      </p:ext>
-    </p:extLst>
-  </p:cSld>
-  <p:clrMapOvr>
-    <a:masterClrMapping/>
-  </p:clrMapOvr>
-</p:sld>
-</file>
-
-<file path=ppt/slides/slide13.xml><?xml version="1.0" encoding="utf-8"?>
-<p:sld xmlns:a="http://schemas.openxmlformats.org/drawingml/2006/main" xmlns:r="http://schemas.openxmlformats.org/officeDocument/2006/relationships" xmlns:p="http://schemas.openxmlformats.org/presentationml/2006/main">
-  <p:cSld>
-    <p:spTree>
-      <p:nvGrpSpPr>
-        <p:cNvPr id="1" name=""/>
-        <p:cNvGrpSpPr/>
-        <p:nvPr/>
-      </p:nvGrpSpPr>
-      <p:grpSpPr>
-        <a:xfrm>
-          <a:off x="0" y="0"/>
-          <a:ext cx="0" cy="0"/>
-          <a:chOff x="0" y="0"/>
-          <a:chExt cx="0" cy="0"/>
-        </a:xfrm>
-      </p:grpSpPr>
-      <p:sp>
-        <p:nvSpPr>
-          <p:cNvPr id="2" name="Title 1">
-            <a:extLst>
-              <a:ext uri="{FF2B5EF4-FFF2-40B4-BE49-F238E27FC236}">
-                <a16:creationId xmlns:a16="http://schemas.microsoft.com/office/drawing/2014/main" id="{BF9677C8-0972-4C34-996A-5922E7BD2606}"/>
-              </a:ext>
-            </a:extLst>
-          </p:cNvPr>
-          <p:cNvSpPr>
-            <a:spLocks noGrp="1"/>
-          </p:cNvSpPr>
-          <p:nvPr>
-            <p:ph type="title"/>
-          </p:nvPr>
-        </p:nvSpPr>
-        <p:spPr/>
-        <p:txBody>
-          <a:bodyPr/>
-          <a:lstStyle/>
-          <a:p>
-            <a:r>
-              <a:rPr lang="en-US" dirty="0"/>
-              <a:t>Runway</a:t>
-            </a:r>
-            <a:endParaRPr lang="en-SG" dirty="0"/>
-          </a:p>
-        </p:txBody>
-      </p:sp>
-      <p:sp>
-        <p:nvSpPr>
-          <p:cNvPr id="3" name="Content Placeholder 2">
-            <a:extLst>
-              <a:ext uri="{FF2B5EF4-FFF2-40B4-BE49-F238E27FC236}">
-                <a16:creationId xmlns:a16="http://schemas.microsoft.com/office/drawing/2014/main" id="{29BF98B2-35BB-4D57-9C1D-DC627CBE6734}"/>
-              </a:ext>
-            </a:extLst>
-          </p:cNvPr>
-          <p:cNvSpPr>
-            <a:spLocks noGrp="1"/>
-          </p:cNvSpPr>
-          <p:nvPr>
-            <p:ph idx="1"/>
-          </p:nvPr>
-        </p:nvSpPr>
-        <p:spPr>
-          <a:xfrm>
-            <a:off x="645130" y="1713390"/>
-            <a:ext cx="9404723" cy="4535009"/>
-          </a:xfrm>
-        </p:spPr>
-        <p:txBody>
-          <a:bodyPr/>
-          <a:lstStyle/>
-          <a:p>
-            <a:r>
-              <a:rPr lang="en-US" sz="2400" dirty="0"/>
-              <a:t>Defined as a strip of land where an aircraft takes off and land</a:t>
-            </a:r>
-          </a:p>
-          <a:p>
-            <a:endParaRPr lang="en-US" sz="2400" dirty="0"/>
-          </a:p>
-          <a:p>
-            <a:r>
-              <a:rPr lang="en-US" sz="2400" dirty="0"/>
-              <a:t>Named after compass bearings of Earth’s magnetic field</a:t>
-            </a:r>
-          </a:p>
-          <a:p>
-            <a:endParaRPr lang="en-US" sz="2400" dirty="0"/>
-          </a:p>
-          <a:p>
-            <a:r>
-              <a:rPr lang="en-US" sz="2400" dirty="0"/>
-              <a:t>Examples include 28L, 28C, 28R</a:t>
-            </a:r>
-          </a:p>
-        </p:txBody>
-      </p:sp>
-    </p:spTree>
-    <p:extLst>
-      <p:ext uri="{BB962C8B-B14F-4D97-AF65-F5344CB8AC3E}">
-        <p14:creationId xmlns:p14="http://schemas.microsoft.com/office/powerpoint/2010/main" val="1584542826"/>
-      </p:ext>
-    </p:extLst>
-  </p:cSld>
-  <p:clrMapOvr>
-    <a:masterClrMapping/>
-  </p:clrMapOvr>
-</p:sld>
-</file>
-
-<file path=ppt/slides/slide14.xml><?xml version="1.0" encoding="utf-8"?>
-<p:sld xmlns:a="http://schemas.openxmlformats.org/drawingml/2006/main" xmlns:r="http://schemas.openxmlformats.org/officeDocument/2006/relationships" xmlns:p="http://schemas.openxmlformats.org/presentationml/2006/main">
-  <p:cSld>
-    <p:spTree>
-      <p:nvGrpSpPr>
-        <p:cNvPr id="1" name=""/>
-        <p:cNvGrpSpPr/>
-        <p:nvPr/>
-      </p:nvGrpSpPr>
-      <p:grpSpPr>
-        <a:xfrm>
-          <a:off x="0" y="0"/>
-          <a:ext cx="0" cy="0"/>
-          <a:chOff x="0" y="0"/>
-          <a:chExt cx="0" cy="0"/>
-        </a:xfrm>
-      </p:grpSpPr>
-      <p:sp>
-        <p:nvSpPr>
-          <p:cNvPr id="2" name="Title 1">
-            <a:extLst>
-              <a:ext uri="{FF2B5EF4-FFF2-40B4-BE49-F238E27FC236}">
-                <a16:creationId xmlns:a16="http://schemas.microsoft.com/office/drawing/2014/main" id="{BF9677C8-0972-4C34-996A-5922E7BD2606}"/>
-              </a:ext>
-            </a:extLst>
-          </p:cNvPr>
-          <p:cNvSpPr>
-            <a:spLocks noGrp="1"/>
-          </p:cNvSpPr>
-          <p:nvPr>
-            <p:ph type="title"/>
-          </p:nvPr>
-        </p:nvSpPr>
-        <p:spPr/>
-        <p:txBody>
-          <a:bodyPr/>
-          <a:lstStyle/>
-          <a:p>
-            <a:r>
-              <a:rPr lang="en-US" dirty="0"/>
-              <a:t>Taxi</a:t>
-            </a:r>
-            <a:endParaRPr lang="en-SG" dirty="0"/>
-          </a:p>
-        </p:txBody>
-      </p:sp>
-      <p:sp>
-        <p:nvSpPr>
-          <p:cNvPr id="3" name="Content Placeholder 2">
-            <a:extLst>
-              <a:ext uri="{FF2B5EF4-FFF2-40B4-BE49-F238E27FC236}">
-                <a16:creationId xmlns:a16="http://schemas.microsoft.com/office/drawing/2014/main" id="{29BF98B2-35BB-4D57-9C1D-DC627CBE6734}"/>
-              </a:ext>
-            </a:extLst>
-          </p:cNvPr>
-          <p:cNvSpPr>
-            <a:spLocks noGrp="1"/>
-          </p:cNvSpPr>
-          <p:nvPr>
-            <p:ph idx="1"/>
-          </p:nvPr>
-        </p:nvSpPr>
-        <p:spPr>
-          <a:xfrm>
-            <a:off x="645130" y="1713390"/>
-            <a:ext cx="9404723" cy="4535009"/>
-          </a:xfrm>
-        </p:spPr>
-        <p:txBody>
-          <a:bodyPr/>
-          <a:lstStyle/>
-          <a:p>
-            <a:r>
-              <a:rPr lang="en-US" sz="2400" dirty="0"/>
-              <a:t>Aircraft uses its own power to move on the ground</a:t>
-            </a:r>
-          </a:p>
-          <a:p>
-            <a:endParaRPr lang="en-US" sz="2400" dirty="0"/>
-          </a:p>
-          <a:p>
-            <a:r>
-              <a:rPr lang="en-US" sz="2400" dirty="0"/>
-              <a:t>Occurs when aircraft has just landed or preparing for takeoff</a:t>
-            </a:r>
-          </a:p>
-          <a:p>
-            <a:endParaRPr lang="en-US" sz="2400" dirty="0"/>
-          </a:p>
-          <a:p>
-            <a:r>
-              <a:rPr lang="en-US" sz="2400" dirty="0"/>
-              <a:t>Example: Singapore One Two Three Taxi Via Runway Three Five Right</a:t>
-            </a:r>
-          </a:p>
-        </p:txBody>
-      </p:sp>
-    </p:spTree>
-    <p:extLst>
-      <p:ext uri="{BB962C8B-B14F-4D97-AF65-F5344CB8AC3E}">
-        <p14:creationId xmlns:p14="http://schemas.microsoft.com/office/powerpoint/2010/main" val="2319929246"/>
-      </p:ext>
-    </p:extLst>
-  </p:cSld>
-  <p:clrMapOvr>
-    <a:masterClrMapping/>
-  </p:clrMapOvr>
-</p:sld>
-</file>
-
-<file path=ppt/slides/slide15.xml><?xml version="1.0" encoding="utf-8"?>
-<p:sld xmlns:a="http://schemas.openxmlformats.org/drawingml/2006/main" xmlns:r="http://schemas.openxmlformats.org/officeDocument/2006/relationships" xmlns:p="http://schemas.openxmlformats.org/presentationml/2006/main">
-  <p:cSld>
-    <p:spTree>
-      <p:nvGrpSpPr>
-        <p:cNvPr id="1" name=""/>
-        <p:cNvGrpSpPr/>
-        <p:nvPr/>
-      </p:nvGrpSpPr>
-      <p:grpSpPr>
-        <a:xfrm>
-          <a:off x="0" y="0"/>
-          <a:ext cx="0" cy="0"/>
-          <a:chOff x="0" y="0"/>
-          <a:chExt cx="0" cy="0"/>
-        </a:xfrm>
-      </p:grpSpPr>
-      <p:sp>
-        <p:nvSpPr>
-          <p:cNvPr id="2" name="Title 1">
-            <a:extLst>
-              <a:ext uri="{FF2B5EF4-FFF2-40B4-BE49-F238E27FC236}">
-                <a16:creationId xmlns:a16="http://schemas.microsoft.com/office/drawing/2014/main" id="{BF9677C8-0972-4C34-996A-5922E7BD2606}"/>
-              </a:ext>
-            </a:extLst>
-          </p:cNvPr>
-          <p:cNvSpPr>
-            <a:spLocks noGrp="1"/>
-          </p:cNvSpPr>
-          <p:nvPr>
-            <p:ph type="title"/>
-          </p:nvPr>
-        </p:nvSpPr>
-        <p:spPr/>
-        <p:txBody>
-          <a:bodyPr/>
-          <a:lstStyle/>
-          <a:p>
-            <a:r>
-              <a:rPr lang="en-US" dirty="0"/>
-              <a:t>Frequency</a:t>
-            </a:r>
-            <a:endParaRPr lang="en-SG" dirty="0"/>
-          </a:p>
-        </p:txBody>
-      </p:sp>
-      <p:sp>
-        <p:nvSpPr>
-          <p:cNvPr id="3" name="Content Placeholder 2">
-            <a:extLst>
-              <a:ext uri="{FF2B5EF4-FFF2-40B4-BE49-F238E27FC236}">
-                <a16:creationId xmlns:a16="http://schemas.microsoft.com/office/drawing/2014/main" id="{29BF98B2-35BB-4D57-9C1D-DC627CBE6734}"/>
-              </a:ext>
-            </a:extLst>
-          </p:cNvPr>
-          <p:cNvSpPr>
-            <a:spLocks noGrp="1"/>
-          </p:cNvSpPr>
-          <p:nvPr>
-            <p:ph idx="1"/>
-          </p:nvPr>
-        </p:nvSpPr>
-        <p:spPr>
-          <a:xfrm>
-            <a:off x="645130" y="1713390"/>
-            <a:ext cx="9404723" cy="4535009"/>
-          </a:xfrm>
-        </p:spPr>
-        <p:txBody>
-          <a:bodyPr/>
-          <a:lstStyle/>
-          <a:p>
-            <a:r>
-              <a:rPr lang="en-US" sz="2400" dirty="0"/>
-              <a:t>Each airport will have different frequencies that pilots and ATC will communicate with</a:t>
-            </a:r>
-          </a:p>
-          <a:p>
-            <a:endParaRPr lang="en-US" sz="2400" dirty="0"/>
-          </a:p>
-          <a:p>
-            <a:r>
-              <a:rPr lang="en-US" sz="2400" dirty="0"/>
-              <a:t>All ATC communication frequencies between 118.0MHz and 137.0MHz</a:t>
-            </a:r>
-          </a:p>
-          <a:p>
-            <a:endParaRPr lang="en-US" sz="2400" dirty="0"/>
-          </a:p>
-          <a:p>
-            <a:r>
-              <a:rPr lang="en-US" sz="2400" dirty="0"/>
-              <a:t>For example, to cross runway, pilot must switch from ground frequency to the tower frequency</a:t>
-            </a:r>
-          </a:p>
-        </p:txBody>
-      </p:sp>
-    </p:spTree>
-    <p:extLst>
-      <p:ext uri="{BB962C8B-B14F-4D97-AF65-F5344CB8AC3E}">
-        <p14:creationId xmlns:p14="http://schemas.microsoft.com/office/powerpoint/2010/main" val="3770172299"/>
-      </p:ext>
-    </p:extLst>
-  </p:cSld>
-  <p:clrMapOvr>
-    <a:masterClrMapping/>
-  </p:clrMapOvr>
-</p:sld>
-</file>
-
-<file path=ppt/slides/slide16.xml><?xml version="1.0" encoding="utf-8"?>
-<p:sld xmlns:a="http://schemas.openxmlformats.org/drawingml/2006/main" xmlns:r="http://schemas.openxmlformats.org/officeDocument/2006/relationships" xmlns:p="http://schemas.openxmlformats.org/presentationml/2006/main">
-  <p:cSld>
-    <p:spTree>
-      <p:nvGrpSpPr>
-        <p:cNvPr id="1" name=""/>
-        <p:cNvGrpSpPr/>
-        <p:nvPr/>
-      </p:nvGrpSpPr>
-      <p:grpSpPr>
-        <a:xfrm>
-          <a:off x="0" y="0"/>
-          <a:ext cx="0" cy="0"/>
-          <a:chOff x="0" y="0"/>
-          <a:chExt cx="0" cy="0"/>
-        </a:xfrm>
-      </p:grpSpPr>
-      <p:sp>
-        <p:nvSpPr>
-          <p:cNvPr id="2" name="Title 1">
-            <a:extLst>
-              <a:ext uri="{FF2B5EF4-FFF2-40B4-BE49-F238E27FC236}">
-                <a16:creationId xmlns:a16="http://schemas.microsoft.com/office/drawing/2014/main" id="{BF9677C8-0972-4C34-996A-5922E7BD2606}"/>
-              </a:ext>
-            </a:extLst>
-          </p:cNvPr>
-          <p:cNvSpPr>
-            <a:spLocks noGrp="1"/>
-          </p:cNvSpPr>
-          <p:nvPr>
-            <p:ph type="title"/>
-          </p:nvPr>
-        </p:nvSpPr>
         <p:spPr>
           <a:xfrm>
             <a:off x="1432311" y="2973569"/>
@@ -7242,7 +7085,7 @@
 </p:sld>
 </file>
 
-<file path=ppt/slides/slide17.xml><?xml version="1.0" encoding="utf-8"?>
+<file path=ppt/slides/slide12.xml><?xml version="1.0" encoding="utf-8"?>
 <p:sld xmlns:a="http://schemas.openxmlformats.org/drawingml/2006/main" xmlns:r="http://schemas.openxmlformats.org/officeDocument/2006/relationships" xmlns:p="http://schemas.openxmlformats.org/presentationml/2006/main">
   <p:cSld>
     <p:spTree>
@@ -7336,7 +7179,7 @@
 </p:sld>
 </file>
 
-<file path=ppt/slides/slide18.xml><?xml version="1.0" encoding="utf-8"?>
+<file path=ppt/slides/slide13.xml><?xml version="1.0" encoding="utf-8"?>
 <p:sld xmlns:a="http://schemas.openxmlformats.org/drawingml/2006/main" xmlns:r="http://schemas.openxmlformats.org/officeDocument/2006/relationships" xmlns:p="http://schemas.openxmlformats.org/presentationml/2006/main">
   <p:cSld>
     <p:bg>
@@ -7505,7 +7348,7 @@
         </p:nvSpPr>
         <p:spPr>
           <a:xfrm>
-            <a:off x="1427747" y="5759116"/>
+            <a:off x="1447913" y="5509602"/>
             <a:ext cx="3753853" cy="369332"/>
           </a:xfrm>
           <a:prstGeom prst="rect">
@@ -7522,7 +7365,15 @@
             <a:pPr algn="ctr"/>
             <a:r>
               <a:rPr lang="en-US" dirty="0"/>
-              <a:t>BIO tagging of ATC text</a:t>
+              <a:t>BIO</a:t>
+            </a:r>
+            <a:r>
+              <a:rPr lang="en-US" baseline="30000" dirty="0"/>
+              <a:t>5</a:t>
+            </a:r>
+            <a:r>
+              <a:rPr lang="en-US" dirty="0"/>
+              <a:t> tagging of ATC text</a:t>
             </a:r>
             <a:endParaRPr lang="en-SG" dirty="0"/>
           </a:p>
@@ -7542,7 +7393,7 @@
         </p:nvSpPr>
         <p:spPr>
           <a:xfrm>
-            <a:off x="6227117" y="5759116"/>
+            <a:off x="6266333" y="5509602"/>
             <a:ext cx="3753853" cy="369332"/>
           </a:xfrm>
           <a:prstGeom prst="rect">
@@ -7559,7 +7410,49 @@
             <a:pPr algn="ctr"/>
             <a:r>
               <a:rPr lang="en-US" dirty="0"/>
-              <a:t>BILOU tagging of ATC text</a:t>
+              <a:t>BILOU</a:t>
+            </a:r>
+            <a:r>
+              <a:rPr lang="en-US" baseline="30000" dirty="0"/>
+              <a:t>5</a:t>
+            </a:r>
+            <a:r>
+              <a:rPr lang="en-US" dirty="0"/>
+              <a:t> tagging of ATC text</a:t>
+            </a:r>
+            <a:endParaRPr lang="en-SG" dirty="0"/>
+          </a:p>
+        </p:txBody>
+      </p:sp>
+      <p:sp>
+        <p:nvSpPr>
+          <p:cNvPr id="11" name="Footer Placeholder 8">
+            <a:extLst>
+              <a:ext uri="{FF2B5EF4-FFF2-40B4-BE49-F238E27FC236}">
+                <a16:creationId xmlns:a16="http://schemas.microsoft.com/office/drawing/2014/main" id="{C74C07F9-30AB-41B5-9C0A-F1213D77D971}"/>
+              </a:ext>
+            </a:extLst>
+          </p:cNvPr>
+          <p:cNvSpPr>
+            <a:spLocks noGrp="1"/>
+          </p:cNvSpPr>
+          <p:nvPr>
+            <p:ph type="ftr" sz="quarter" idx="11"/>
+          </p:nvPr>
+        </p:nvSpPr>
+        <p:spPr>
+          <a:xfrm>
+            <a:off x="645130" y="6134471"/>
+            <a:ext cx="9999196" cy="423212"/>
+          </a:xfrm>
+        </p:spPr>
+        <p:txBody>
+          <a:bodyPr/>
+          <a:lstStyle/>
+          <a:p>
+            <a:r>
+              <a:rPr lang="en-US" dirty="0"/>
+              <a:t>[5] Malik M. K., Sarwar S. M., (IJACSA) International Journal of Advanced Computer Science and Applications, Vol. 7, Named Entity Recognition System for Postpositional Languages: Urdu as a Case Study, 2016 </a:t>
             </a:r>
             <a:endParaRPr lang="en-SG" dirty="0"/>
           </a:p>
@@ -7578,7 +7471,7 @@
 </p:sld>
 </file>
 
-<file path=ppt/slides/slide19.xml><?xml version="1.0" encoding="utf-8"?>
+<file path=ppt/slides/slide14.xml><?xml version="1.0" encoding="utf-8"?>
 <p:sld xmlns:a="http://schemas.openxmlformats.org/drawingml/2006/main" xmlns:r="http://schemas.openxmlformats.org/officeDocument/2006/relationships" xmlns:p="http://schemas.openxmlformats.org/presentationml/2006/main">
   <p:cSld>
     <p:spTree>
@@ -7682,137 +7575,7 @@
 </p:sld>
 </file>
 
-<file path=ppt/slides/slide2.xml><?xml version="1.0" encoding="utf-8"?>
-<p:sld xmlns:a="http://schemas.openxmlformats.org/drawingml/2006/main" xmlns:r="http://schemas.openxmlformats.org/officeDocument/2006/relationships" xmlns:p="http://schemas.openxmlformats.org/presentationml/2006/main">
-  <p:cSld>
-    <p:spTree>
-      <p:nvGrpSpPr>
-        <p:cNvPr id="1" name=""/>
-        <p:cNvGrpSpPr/>
-        <p:nvPr/>
-      </p:nvGrpSpPr>
-      <p:grpSpPr>
-        <a:xfrm>
-          <a:off x="0" y="0"/>
-          <a:ext cx="0" cy="0"/>
-          <a:chOff x="0" y="0"/>
-          <a:chExt cx="0" cy="0"/>
-        </a:xfrm>
-      </p:grpSpPr>
-      <p:sp>
-        <p:nvSpPr>
-          <p:cNvPr id="2" name="Title 1">
-            <a:extLst>
-              <a:ext uri="{FF2B5EF4-FFF2-40B4-BE49-F238E27FC236}">
-                <a16:creationId xmlns:a16="http://schemas.microsoft.com/office/drawing/2014/main" id="{BF9677C8-0972-4C34-996A-5922E7BD2606}"/>
-              </a:ext>
-            </a:extLst>
-          </p:cNvPr>
-          <p:cNvSpPr>
-            <a:spLocks noGrp="1"/>
-          </p:cNvSpPr>
-          <p:nvPr>
-            <p:ph type="title"/>
-          </p:nvPr>
-        </p:nvSpPr>
-        <p:spPr/>
-        <p:txBody>
-          <a:bodyPr/>
-          <a:lstStyle/>
-          <a:p>
-            <a:r>
-              <a:rPr lang="en-US" dirty="0"/>
-              <a:t>Outline</a:t>
-            </a:r>
-            <a:endParaRPr lang="en-SG" dirty="0"/>
-          </a:p>
-        </p:txBody>
-      </p:sp>
-      <p:sp>
-        <p:nvSpPr>
-          <p:cNvPr id="3" name="Content Placeholder 2">
-            <a:extLst>
-              <a:ext uri="{FF2B5EF4-FFF2-40B4-BE49-F238E27FC236}">
-                <a16:creationId xmlns:a16="http://schemas.microsoft.com/office/drawing/2014/main" id="{29BF98B2-35BB-4D57-9C1D-DC627CBE6734}"/>
-              </a:ext>
-            </a:extLst>
-          </p:cNvPr>
-          <p:cNvSpPr>
-            <a:spLocks noGrp="1"/>
-          </p:cNvSpPr>
-          <p:nvPr>
-            <p:ph idx="1"/>
-          </p:nvPr>
-        </p:nvSpPr>
-        <p:spPr>
-          <a:xfrm>
-            <a:off x="645130" y="1713390"/>
-            <a:ext cx="9404723" cy="4535009"/>
-          </a:xfrm>
-        </p:spPr>
-        <p:txBody>
-          <a:bodyPr>
-            <a:normAutofit/>
-          </a:bodyPr>
-          <a:lstStyle/>
-          <a:p>
-            <a:r>
-              <a:rPr lang="en-US" sz="2400" dirty="0"/>
-              <a:t>Background information</a:t>
-            </a:r>
-          </a:p>
-          <a:p>
-            <a:r>
-              <a:rPr lang="en-SG" sz="2400" dirty="0"/>
-              <a:t>Objectives and Scope</a:t>
-            </a:r>
-          </a:p>
-          <a:p>
-            <a:r>
-              <a:rPr lang="en-SG" sz="2400" dirty="0"/>
-              <a:t>Literature Review</a:t>
-            </a:r>
-          </a:p>
-          <a:p>
-            <a:r>
-              <a:rPr lang="en-SG" sz="2400" dirty="0"/>
-              <a:t>Air Traffic Control Text</a:t>
-            </a:r>
-          </a:p>
-          <a:p>
-            <a:r>
-              <a:rPr lang="en-SG" sz="2400" dirty="0"/>
-              <a:t>System Implementation and Design</a:t>
-            </a:r>
-          </a:p>
-          <a:p>
-            <a:r>
-              <a:rPr lang="en-SG" sz="2400" dirty="0"/>
-              <a:t>Demo</a:t>
-            </a:r>
-          </a:p>
-          <a:p>
-            <a:r>
-              <a:rPr lang="en-SG" sz="2400" dirty="0"/>
-              <a:t>Conclusion and future work</a:t>
-            </a:r>
-          </a:p>
-        </p:txBody>
-      </p:sp>
-    </p:spTree>
-    <p:extLst>
-      <p:ext uri="{BB962C8B-B14F-4D97-AF65-F5344CB8AC3E}">
-        <p14:creationId xmlns:p14="http://schemas.microsoft.com/office/powerpoint/2010/main" val="3392533442"/>
-      </p:ext>
-    </p:extLst>
-  </p:cSld>
-  <p:clrMapOvr>
-    <a:masterClrMapping/>
-  </p:clrMapOvr>
-</p:sld>
-</file>
-
-<file path=ppt/slides/slide20.xml><?xml version="1.0" encoding="utf-8"?>
+<file path=ppt/slides/slide15.xml><?xml version="1.0" encoding="utf-8"?>
 <p:sld xmlns:a="http://schemas.openxmlformats.org/drawingml/2006/main" xmlns:r="http://schemas.openxmlformats.org/officeDocument/2006/relationships" xmlns:p="http://schemas.openxmlformats.org/presentationml/2006/main">
   <p:cSld>
     <p:spTree>
@@ -7906,7 +7669,7 @@
 </p:sld>
 </file>
 
-<file path=ppt/slides/slide21.xml><?xml version="1.0" encoding="utf-8"?>
+<file path=ppt/slides/slide16.xml><?xml version="1.0" encoding="utf-8"?>
 <p:sld xmlns:a="http://schemas.openxmlformats.org/drawingml/2006/main" xmlns:r="http://schemas.openxmlformats.org/officeDocument/2006/relationships" xmlns:p="http://schemas.openxmlformats.org/presentationml/2006/main">
   <p:cSld>
     <p:spTree>
@@ -8111,7 +7874,7 @@
 </p:sld>
 </file>
 
-<file path=ppt/slides/slide22.xml><?xml version="1.0" encoding="utf-8"?>
+<file path=ppt/slides/slide17.xml><?xml version="1.0" encoding="utf-8"?>
 <p:sld xmlns:a="http://schemas.openxmlformats.org/drawingml/2006/main" xmlns:r="http://schemas.openxmlformats.org/officeDocument/2006/relationships" xmlns:p="http://schemas.openxmlformats.org/presentationml/2006/main">
   <p:cSld>
     <p:spTree>
@@ -8229,7 +7992,7 @@
 </p:sld>
 </file>
 
-<file path=ppt/slides/slide23.xml><?xml version="1.0" encoding="utf-8"?>
+<file path=ppt/slides/slide18.xml><?xml version="1.0" encoding="utf-8"?>
 <p:sld xmlns:a="http://schemas.openxmlformats.org/drawingml/2006/main" xmlns:r="http://schemas.openxmlformats.org/officeDocument/2006/relationships" xmlns:p="http://schemas.openxmlformats.org/presentationml/2006/main">
   <p:cSld>
     <p:spTree>
@@ -8587,7 +8350,7 @@
 </p:sld>
 </file>
 
-<file path=ppt/slides/slide24.xml><?xml version="1.0" encoding="utf-8"?>
+<file path=ppt/slides/slide19.xml><?xml version="1.0" encoding="utf-8"?>
 <p:sld xmlns:a="http://schemas.openxmlformats.org/drawingml/2006/main" xmlns:r="http://schemas.openxmlformats.org/officeDocument/2006/relationships" xmlns:p="http://schemas.openxmlformats.org/presentationml/2006/main">
   <p:cSld>
     <p:spTree>
@@ -8697,7 +8460,7 @@
 </p:sld>
 </file>
 
-<file path=ppt/slides/slide25.xml><?xml version="1.0" encoding="utf-8"?>
+<file path=ppt/slides/slide2.xml><?xml version="1.0" encoding="utf-8"?>
 <p:sld xmlns:a="http://schemas.openxmlformats.org/drawingml/2006/main" xmlns:r="http://schemas.openxmlformats.org/officeDocument/2006/relationships" xmlns:p="http://schemas.openxmlformats.org/presentationml/2006/main">
   <p:cSld>
     <p:spTree>
@@ -8730,28 +8493,94 @@
             <p:ph type="title"/>
           </p:nvPr>
         </p:nvSpPr>
+        <p:spPr/>
+        <p:txBody>
+          <a:bodyPr/>
+          <a:lstStyle/>
+          <a:p>
+            <a:r>
+              <a:rPr lang="en-US" dirty="0"/>
+              <a:t>Outline</a:t>
+            </a:r>
+            <a:endParaRPr lang="en-SG" dirty="0"/>
+          </a:p>
+        </p:txBody>
+      </p:sp>
+      <p:sp>
+        <p:nvSpPr>
+          <p:cNvPr id="3" name="Content Placeholder 2">
+            <a:extLst>
+              <a:ext uri="{FF2B5EF4-FFF2-40B4-BE49-F238E27FC236}">
+                <a16:creationId xmlns:a16="http://schemas.microsoft.com/office/drawing/2014/main" id="{29BF98B2-35BB-4D57-9C1D-DC627CBE6734}"/>
+              </a:ext>
+            </a:extLst>
+          </p:cNvPr>
+          <p:cNvSpPr>
+            <a:spLocks noGrp="1"/>
+          </p:cNvSpPr>
+          <p:nvPr>
+            <p:ph idx="1"/>
+          </p:nvPr>
+        </p:nvSpPr>
         <p:spPr>
           <a:xfrm>
-            <a:off x="5175861" y="2973569"/>
-            <a:ext cx="1840278" cy="910861"/>
+            <a:off x="645130" y="1713390"/>
+            <a:ext cx="9404723" cy="4535009"/>
           </a:xfrm>
         </p:spPr>
         <p:txBody>
-          <a:bodyPr/>
-          <a:lstStyle/>
-          <a:p>
-            <a:r>
-              <a:rPr lang="en-US" dirty="0"/>
+          <a:bodyPr>
+            <a:normAutofit/>
+          </a:bodyPr>
+          <a:lstStyle/>
+          <a:p>
+            <a:r>
+              <a:rPr lang="en-US" sz="2400" dirty="0"/>
+              <a:t>Background information</a:t>
+            </a:r>
+          </a:p>
+          <a:p>
+            <a:r>
+              <a:rPr lang="en-SG" sz="2400" dirty="0"/>
+              <a:t>Objectives and Scope</a:t>
+            </a:r>
+          </a:p>
+          <a:p>
+            <a:r>
+              <a:rPr lang="en-SG" sz="2400" dirty="0"/>
+              <a:t>Literature Review</a:t>
+            </a:r>
+          </a:p>
+          <a:p>
+            <a:r>
+              <a:rPr lang="en-SG" sz="2400" dirty="0"/>
+              <a:t>Air Traffic Control Text</a:t>
+            </a:r>
+          </a:p>
+          <a:p>
+            <a:r>
+              <a:rPr lang="en-SG" sz="2400" dirty="0"/>
+              <a:t>System Implementation and Design</a:t>
+            </a:r>
+          </a:p>
+          <a:p>
+            <a:r>
+              <a:rPr lang="en-SG" sz="2400" dirty="0"/>
               <a:t>Demo</a:t>
             </a:r>
-            <a:endParaRPr lang="en-SG" dirty="0"/>
+          </a:p>
+          <a:p>
+            <a:r>
+              <a:rPr lang="en-SG" sz="2400" dirty="0"/>
+              <a:t>Conclusion and future work</a:t>
+            </a:r>
           </a:p>
         </p:txBody>
       </p:sp>
     </p:spTree>
     <p:extLst>
       <p:ext uri="{BB962C8B-B14F-4D97-AF65-F5344CB8AC3E}">
-        <p14:creationId xmlns:p14="http://schemas.microsoft.com/office/powerpoint/2010/main" val="1107953360"/>
+        <p14:creationId xmlns:p14="http://schemas.microsoft.com/office/powerpoint/2010/main" val="3392533442"/>
       </p:ext>
     </p:extLst>
   </p:cSld>
@@ -8761,7 +8590,7 @@
 </p:sld>
 </file>
 
-<file path=ppt/slides/slide26.xml><?xml version="1.0" encoding="utf-8"?>
+<file path=ppt/slides/slide20.xml><?xml version="1.0" encoding="utf-8"?>
 <p:sld xmlns:a="http://schemas.openxmlformats.org/drawingml/2006/main" xmlns:r="http://schemas.openxmlformats.org/officeDocument/2006/relationships" xmlns:p="http://schemas.openxmlformats.org/presentationml/2006/main">
   <p:cSld>
     <p:spTree>
@@ -8794,39 +8623,10 @@
             <p:ph type="title"/>
           </p:nvPr>
         </p:nvSpPr>
-        <p:spPr/>
-        <p:txBody>
-          <a:bodyPr/>
-          <a:lstStyle/>
-          <a:p>
-            <a:r>
-              <a:rPr lang="en-US" dirty="0"/>
-              <a:t>Conclusion</a:t>
-            </a:r>
-            <a:endParaRPr lang="en-SG" dirty="0"/>
-          </a:p>
-        </p:txBody>
-      </p:sp>
-      <p:sp>
-        <p:nvSpPr>
-          <p:cNvPr id="3" name="Content Placeholder 2">
-            <a:extLst>
-              <a:ext uri="{FF2B5EF4-FFF2-40B4-BE49-F238E27FC236}">
-                <a16:creationId xmlns:a16="http://schemas.microsoft.com/office/drawing/2014/main" id="{29BF98B2-35BB-4D57-9C1D-DC627CBE6734}"/>
-              </a:ext>
-            </a:extLst>
-          </p:cNvPr>
-          <p:cNvSpPr>
-            <a:spLocks noGrp="1"/>
-          </p:cNvSpPr>
-          <p:nvPr>
-            <p:ph idx="1"/>
-          </p:nvPr>
-        </p:nvSpPr>
         <p:spPr>
           <a:xfrm>
-            <a:off x="645130" y="1713390"/>
-            <a:ext cx="9404723" cy="4535009"/>
+            <a:off x="5175861" y="2973569"/>
+            <a:ext cx="1840278" cy="910861"/>
           </a:xfrm>
         </p:spPr>
         <p:txBody>
@@ -8834,42 +8634,17 @@
           <a:lstStyle/>
           <a:p>
             <a:r>
-              <a:rPr lang="en-US" sz="2400" dirty="0"/>
-              <a:t>Improve number of name entities and keywords of ATC conversations detected</a:t>
-            </a:r>
-          </a:p>
-          <a:p>
-            <a:pPr marL="0" indent="0">
-              <a:buNone/>
-            </a:pPr>
-            <a:endParaRPr lang="en-US" sz="2400" dirty="0"/>
-          </a:p>
-          <a:p>
-            <a:r>
-              <a:rPr lang="en-US" sz="2400" dirty="0"/>
-              <a:t>Model will be trained using Google </a:t>
-            </a:r>
-            <a:r>
-              <a:rPr lang="en-US" sz="2400" dirty="0" err="1"/>
-              <a:t>Colab</a:t>
-            </a:r>
-            <a:endParaRPr lang="en-US" sz="2400" dirty="0"/>
-          </a:p>
-          <a:p>
-            <a:endParaRPr lang="en-US" sz="2400" dirty="0"/>
-          </a:p>
-          <a:p>
-            <a:r>
-              <a:rPr lang="en-US" sz="2400" dirty="0"/>
-              <a:t>Implementation of speech to text function</a:t>
-            </a:r>
+              <a:rPr lang="en-US" dirty="0"/>
+              <a:t>Demo</a:t>
+            </a:r>
+            <a:endParaRPr lang="en-SG" dirty="0"/>
           </a:p>
         </p:txBody>
       </p:sp>
     </p:spTree>
     <p:extLst>
       <p:ext uri="{BB962C8B-B14F-4D97-AF65-F5344CB8AC3E}">
-        <p14:creationId xmlns:p14="http://schemas.microsoft.com/office/powerpoint/2010/main" val="2435807553"/>
+        <p14:creationId xmlns:p14="http://schemas.microsoft.com/office/powerpoint/2010/main" val="1107953360"/>
       </p:ext>
     </p:extLst>
   </p:cSld>
@@ -8879,7 +8654,7 @@
 </p:sld>
 </file>
 
-<file path=ppt/slides/slide27.xml><?xml version="1.0" encoding="utf-8"?>
+<file path=ppt/slides/slide21.xml><?xml version="1.0" encoding="utf-8"?>
 <p:sld xmlns:a="http://schemas.openxmlformats.org/drawingml/2006/main" xmlns:r="http://schemas.openxmlformats.org/officeDocument/2006/relationships" xmlns:p="http://schemas.openxmlformats.org/presentationml/2006/main">
   <p:cSld>
     <p:spTree>
@@ -8919,6 +8694,124 @@
           <a:p>
             <a:r>
               <a:rPr lang="en-US" dirty="0"/>
+              <a:t>Conclusion</a:t>
+            </a:r>
+            <a:endParaRPr lang="en-SG" dirty="0"/>
+          </a:p>
+        </p:txBody>
+      </p:sp>
+      <p:sp>
+        <p:nvSpPr>
+          <p:cNvPr id="3" name="Content Placeholder 2">
+            <a:extLst>
+              <a:ext uri="{FF2B5EF4-FFF2-40B4-BE49-F238E27FC236}">
+                <a16:creationId xmlns:a16="http://schemas.microsoft.com/office/drawing/2014/main" id="{29BF98B2-35BB-4D57-9C1D-DC627CBE6734}"/>
+              </a:ext>
+            </a:extLst>
+          </p:cNvPr>
+          <p:cNvSpPr>
+            <a:spLocks noGrp="1"/>
+          </p:cNvSpPr>
+          <p:nvPr>
+            <p:ph idx="1"/>
+          </p:nvPr>
+        </p:nvSpPr>
+        <p:spPr>
+          <a:xfrm>
+            <a:off x="645130" y="1713390"/>
+            <a:ext cx="9404723" cy="4535009"/>
+          </a:xfrm>
+        </p:spPr>
+        <p:txBody>
+          <a:bodyPr/>
+          <a:lstStyle/>
+          <a:p>
+            <a:r>
+              <a:rPr lang="en-US" sz="2400" dirty="0"/>
+              <a:t>Improve number of name entities and keywords of ATC conversations detected</a:t>
+            </a:r>
+          </a:p>
+          <a:p>
+            <a:pPr marL="0" indent="0">
+              <a:buNone/>
+            </a:pPr>
+            <a:endParaRPr lang="en-US" sz="2400" dirty="0"/>
+          </a:p>
+          <a:p>
+            <a:r>
+              <a:rPr lang="en-US" sz="2400" dirty="0"/>
+              <a:t>Model will be trained using Google </a:t>
+            </a:r>
+            <a:r>
+              <a:rPr lang="en-US" sz="2400" dirty="0" err="1"/>
+              <a:t>Colab</a:t>
+            </a:r>
+            <a:endParaRPr lang="en-US" sz="2400" dirty="0"/>
+          </a:p>
+          <a:p>
+            <a:endParaRPr lang="en-US" sz="2400" dirty="0"/>
+          </a:p>
+          <a:p>
+            <a:r>
+              <a:rPr lang="en-US" sz="2400" dirty="0"/>
+              <a:t>Implementation of speech to text function</a:t>
+            </a:r>
+          </a:p>
+        </p:txBody>
+      </p:sp>
+    </p:spTree>
+    <p:extLst>
+      <p:ext uri="{BB962C8B-B14F-4D97-AF65-F5344CB8AC3E}">
+        <p14:creationId xmlns:p14="http://schemas.microsoft.com/office/powerpoint/2010/main" val="2435807553"/>
+      </p:ext>
+    </p:extLst>
+  </p:cSld>
+  <p:clrMapOvr>
+    <a:masterClrMapping/>
+  </p:clrMapOvr>
+</p:sld>
+</file>
+
+<file path=ppt/slides/slide22.xml><?xml version="1.0" encoding="utf-8"?>
+<p:sld xmlns:a="http://schemas.openxmlformats.org/drawingml/2006/main" xmlns:r="http://schemas.openxmlformats.org/officeDocument/2006/relationships" xmlns:p="http://schemas.openxmlformats.org/presentationml/2006/main">
+  <p:cSld>
+    <p:spTree>
+      <p:nvGrpSpPr>
+        <p:cNvPr id="1" name=""/>
+        <p:cNvGrpSpPr/>
+        <p:nvPr/>
+      </p:nvGrpSpPr>
+      <p:grpSpPr>
+        <a:xfrm>
+          <a:off x="0" y="0"/>
+          <a:ext cx="0" cy="0"/>
+          <a:chOff x="0" y="0"/>
+          <a:chExt cx="0" cy="0"/>
+        </a:xfrm>
+      </p:grpSpPr>
+      <p:sp>
+        <p:nvSpPr>
+          <p:cNvPr id="2" name="Title 1">
+            <a:extLst>
+              <a:ext uri="{FF2B5EF4-FFF2-40B4-BE49-F238E27FC236}">
+                <a16:creationId xmlns:a16="http://schemas.microsoft.com/office/drawing/2014/main" id="{BF9677C8-0972-4C34-996A-5922E7BD2606}"/>
+              </a:ext>
+            </a:extLst>
+          </p:cNvPr>
+          <p:cNvSpPr>
+            <a:spLocks noGrp="1"/>
+          </p:cNvSpPr>
+          <p:nvPr>
+            <p:ph type="title"/>
+          </p:nvPr>
+        </p:nvSpPr>
+        <p:spPr/>
+        <p:txBody>
+          <a:bodyPr/>
+          <a:lstStyle/>
+          <a:p>
+            <a:r>
+              <a:rPr lang="en-US" dirty="0"/>
               <a:t>Future Work</a:t>
             </a:r>
             <a:endParaRPr lang="en-SG" dirty="0"/>
@@ -8989,7 +8882,7 @@
 </p:sld>
 </file>
 
-<file path=ppt/slides/slide28.xml><?xml version="1.0" encoding="utf-8"?>
+<file path=ppt/slides/slide23.xml><?xml version="1.0" encoding="utf-8"?>
 <p:sld xmlns:a="http://schemas.openxmlformats.org/drawingml/2006/main" xmlns:r="http://schemas.openxmlformats.org/officeDocument/2006/relationships" xmlns:p="http://schemas.openxmlformats.org/presentationml/2006/main">
   <p:cSld>
     <p:spTree>
@@ -9414,8 +9307,8 @@
         </p:nvSpPr>
         <p:spPr>
           <a:xfrm>
-            <a:off x="645130" y="1713390"/>
-            <a:ext cx="9404723" cy="4535009"/>
+            <a:off x="645130" y="1713391"/>
+            <a:ext cx="9404723" cy="3710866"/>
           </a:xfrm>
         </p:spPr>
         <p:txBody>
@@ -9428,6 +9321,11 @@
               <a:rPr lang="en-US" sz="2400" dirty="0"/>
               <a:t>Refers to identifying and classifying keywords or named entities located in unstructured text into pre-defined categories</a:t>
             </a:r>
+            <a:r>
+              <a:rPr lang="en-US" sz="2400" baseline="30000" dirty="0"/>
+              <a:t>1</a:t>
+            </a:r>
+            <a:endParaRPr lang="en-US" sz="2400" dirty="0"/>
           </a:p>
           <a:p>
             <a:endParaRPr lang="en-US" sz="2400" dirty="0"/>
@@ -9446,6 +9344,40 @@
               <a:rPr lang="en-SG" sz="2400" dirty="0"/>
               <a:t>For example, human resource departments, news providers</a:t>
             </a:r>
+          </a:p>
+        </p:txBody>
+      </p:sp>
+      <p:sp>
+        <p:nvSpPr>
+          <p:cNvPr id="9" name="Footer Placeholder 8">
+            <a:extLst>
+              <a:ext uri="{FF2B5EF4-FFF2-40B4-BE49-F238E27FC236}">
+                <a16:creationId xmlns:a16="http://schemas.microsoft.com/office/drawing/2014/main" id="{AB24C982-0E3C-4C99-A1A8-DF73E885C8C3}"/>
+              </a:ext>
+            </a:extLst>
+          </p:cNvPr>
+          <p:cNvSpPr>
+            <a:spLocks noGrp="1"/>
+          </p:cNvSpPr>
+          <p:nvPr>
+            <p:ph type="ftr" sz="quarter" idx="11"/>
+          </p:nvPr>
+        </p:nvSpPr>
+        <p:spPr>
+          <a:xfrm>
+            <a:off x="645130" y="6252881"/>
+            <a:ext cx="10247771" cy="304801"/>
+          </a:xfrm>
+        </p:spPr>
+        <p:txBody>
+          <a:bodyPr/>
+          <a:lstStyle/>
+          <a:p>
+            <a:r>
+              <a:rPr lang="en-US" dirty="0"/>
+              <a:t>[1] Li J., Sun A., Han J., Li C., A Survey on Deep Learning for Named Entity Recognition, 22 December 2018 </a:t>
+            </a:r>
+            <a:endParaRPr lang="en-SG" dirty="0"/>
           </a:p>
         </p:txBody>
       </p:sp>
@@ -9538,6 +9470,11 @@
               <a:rPr lang="en-US" sz="2400" dirty="0"/>
               <a:t>Numerical representation of words usually in vector shape</a:t>
             </a:r>
+            <a:r>
+              <a:rPr lang="en-US" sz="2400" baseline="30000" dirty="0"/>
+              <a:t>2</a:t>
+            </a:r>
+            <a:endParaRPr lang="en-US" sz="2400" dirty="0"/>
           </a:p>
           <a:p>
             <a:endParaRPr lang="en-US" sz="2400" dirty="0"/>
@@ -9562,6 +9499,40 @@
           </a:p>
           <a:p>
             <a:endParaRPr lang="en-US" dirty="0"/>
+          </a:p>
+        </p:txBody>
+      </p:sp>
+      <p:sp>
+        <p:nvSpPr>
+          <p:cNvPr id="7" name="Footer Placeholder 8">
+            <a:extLst>
+              <a:ext uri="{FF2B5EF4-FFF2-40B4-BE49-F238E27FC236}">
+                <a16:creationId xmlns:a16="http://schemas.microsoft.com/office/drawing/2014/main" id="{DB28D820-FFC8-435E-8BF7-67A339C73739}"/>
+              </a:ext>
+            </a:extLst>
+          </p:cNvPr>
+          <p:cNvSpPr>
+            <a:spLocks noGrp="1"/>
+          </p:cNvSpPr>
+          <p:nvPr>
+            <p:ph type="ftr" sz="quarter" idx="11"/>
+          </p:nvPr>
+        </p:nvSpPr>
+        <p:spPr>
+          <a:xfrm>
+            <a:off x="645130" y="6248399"/>
+            <a:ext cx="10247771" cy="304801"/>
+          </a:xfrm>
+        </p:spPr>
+        <p:txBody>
+          <a:bodyPr/>
+          <a:lstStyle/>
+          <a:p>
+            <a:r>
+              <a:rPr lang="en-US" dirty="0"/>
+              <a:t>[2] Mandelbaum, A., Shalev A., Word Embeddings and Their Use in Sentence Classification Tasks, 27 October 2016</a:t>
+            </a:r>
+            <a:endParaRPr lang="en-SG" dirty="0"/>
           </a:p>
         </p:txBody>
       </p:sp>
@@ -9654,7 +9625,15 @@
           <a:p>
             <a:r>
               <a:rPr lang="en-US" sz="2400" dirty="0"/>
-              <a:t>Refers to Embeddings to Language Model</a:t>
+              <a:t>Refers to </a:t>
+            </a:r>
+            <a:r>
+              <a:rPr lang="en-US" sz="2400"/>
+              <a:t>Embeddings from </a:t>
+            </a:r>
+            <a:r>
+              <a:rPr lang="en-US" sz="2400" dirty="0"/>
+              <a:t>Language Model</a:t>
             </a:r>
           </a:p>
           <a:p>
@@ -9665,6 +9644,11 @@
               <a:rPr lang="en-SG" sz="2400" dirty="0"/>
               <a:t>Deep contextualized word representation which models characteristics of word use</a:t>
             </a:r>
+            <a:r>
+              <a:rPr lang="en-US" sz="2400" baseline="30000" dirty="0"/>
+              <a:t>3</a:t>
+            </a:r>
+            <a:endParaRPr lang="en-SG" sz="2400" dirty="0"/>
           </a:p>
           <a:p>
             <a:endParaRPr lang="en-SG" sz="2400" dirty="0"/>
@@ -9683,6 +9667,56 @@
               <a:rPr lang="en-SG" sz="2400" dirty="0"/>
               <a:t>One example is ‘John wants to borrow a book’ and ‘John wants to book a flight’</a:t>
             </a:r>
+          </a:p>
+        </p:txBody>
+      </p:sp>
+      <p:sp>
+        <p:nvSpPr>
+          <p:cNvPr id="7" name="Footer Placeholder 8">
+            <a:extLst>
+              <a:ext uri="{FF2B5EF4-FFF2-40B4-BE49-F238E27FC236}">
+                <a16:creationId xmlns:a16="http://schemas.microsoft.com/office/drawing/2014/main" id="{723EBE67-4CB5-415A-B068-24BC91CD8AC9}"/>
+              </a:ext>
+            </a:extLst>
+          </p:cNvPr>
+          <p:cNvSpPr>
+            <a:spLocks noGrp="1"/>
+          </p:cNvSpPr>
+          <p:nvPr>
+            <p:ph type="ftr" sz="quarter" idx="11"/>
+          </p:nvPr>
+        </p:nvSpPr>
+        <p:spPr>
+          <a:xfrm>
+            <a:off x="645130" y="6252881"/>
+            <a:ext cx="10247771" cy="304801"/>
+          </a:xfrm>
+        </p:spPr>
+        <p:txBody>
+          <a:bodyPr/>
+          <a:lstStyle/>
+          <a:p>
+            <a:r>
+              <a:rPr lang="en-US" dirty="0"/>
+              <a:t>[3] Peters, M.E., Neumann M., </a:t>
+            </a:r>
+            <a:r>
+              <a:rPr lang="en-US" dirty="0" err="1"/>
+              <a:t>Iyyer</a:t>
+            </a:r>
+            <a:r>
+              <a:rPr lang="en-US" dirty="0"/>
+              <a:t> M., Gardner M., Clark C., Lee K., </a:t>
+            </a:r>
+            <a:r>
+              <a:rPr lang="en-US" dirty="0" err="1"/>
+              <a:t>Zettlemoyer</a:t>
+            </a:r>
+            <a:r>
+              <a:rPr lang="en-US" dirty="0"/>
+              <a:t> L., Deep contextualized word representations, March 2018</a:t>
+            </a:r>
+            <a:endParaRPr lang="en-SG" dirty="0"/>
           </a:p>
         </p:txBody>
       </p:sp>
@@ -9784,7 +9818,15 @@
           <a:p>
             <a:r>
               <a:rPr lang="en-US" sz="2400" dirty="0"/>
-              <a:t>More recently, the Bi-LSTM-CNN-CRF model is used for training of NER systems</a:t>
+              <a:t>More recently, the Bi-LSTM-CNN-CRF</a:t>
+            </a:r>
+            <a:r>
+              <a:rPr lang="en-US" sz="2400" baseline="30000" dirty="0"/>
+              <a:t>4</a:t>
+            </a:r>
+            <a:r>
+              <a:rPr lang="en-US" sz="2400" dirty="0"/>
+              <a:t> model is used for training of NER systems</a:t>
             </a:r>
           </a:p>
           <a:p>
@@ -9800,6 +9842,40 @@
               <a:t>Allennlp</a:t>
             </a:r>
             <a:endParaRPr lang="en-SG" sz="2400" dirty="0"/>
+          </a:p>
+        </p:txBody>
+      </p:sp>
+      <p:sp>
+        <p:nvSpPr>
+          <p:cNvPr id="7" name="Footer Placeholder 8">
+            <a:extLst>
+              <a:ext uri="{FF2B5EF4-FFF2-40B4-BE49-F238E27FC236}">
+                <a16:creationId xmlns:a16="http://schemas.microsoft.com/office/drawing/2014/main" id="{03EEC120-F852-48CF-83F0-5625925DCB6D}"/>
+              </a:ext>
+            </a:extLst>
+          </p:cNvPr>
+          <p:cNvSpPr>
+            <a:spLocks noGrp="1"/>
+          </p:cNvSpPr>
+          <p:nvPr>
+            <p:ph type="ftr" sz="quarter" idx="11"/>
+          </p:nvPr>
+        </p:nvSpPr>
+        <p:spPr>
+          <a:xfrm>
+            <a:off x="645130" y="6134471"/>
+            <a:ext cx="9821643" cy="423212"/>
+          </a:xfrm>
+        </p:spPr>
+        <p:txBody>
+          <a:bodyPr/>
+          <a:lstStyle/>
+          <a:p>
+            <a:r>
+              <a:rPr lang="en-US" dirty="0"/>
+              <a:t>[4] Jason P.C. Chiu and Eric Nichols. Named Entity Recognition with Bidirectional LSTM-CNNs. Transactions of the Association for Computational Linguistics, 4:357– 370, December 2016.</a:t>
+            </a:r>
+            <a:endParaRPr lang="en-SG" dirty="0"/>
           </a:p>
         </p:txBody>
       </p:sp>
@@ -10080,4 +10156,299 @@
     </a:ext>
   </a:extLst>
 </a:theme>
+</file>
+
+<file path=ppt/theme/theme2.xml><?xml version="1.0" encoding="utf-8"?>
+<a:theme xmlns:a="http://schemas.openxmlformats.org/drawingml/2006/main" name="Office Theme">
+  <a:themeElements>
+    <a:clrScheme name="Office">
+      <a:dk1>
+        <a:sysClr val="windowText" lastClr="000000"/>
+      </a:dk1>
+      <a:lt1>
+        <a:sysClr val="window" lastClr="FFFFFF"/>
+      </a:lt1>
+      <a:dk2>
+        <a:srgbClr val="44546A"/>
+      </a:dk2>
+      <a:lt2>
+        <a:srgbClr val="E7E6E6"/>
+      </a:lt2>
+      <a:accent1>
+        <a:srgbClr val="4472C4"/>
+      </a:accent1>
+      <a:accent2>
+        <a:srgbClr val="ED7D31"/>
+      </a:accent2>
+      <a:accent3>
+        <a:srgbClr val="A5A5A5"/>
+      </a:accent3>
+      <a:accent4>
+        <a:srgbClr val="FFC000"/>
+      </a:accent4>
+      <a:accent5>
+        <a:srgbClr val="5B9BD5"/>
+      </a:accent5>
+      <a:accent6>
+        <a:srgbClr val="70AD47"/>
+      </a:accent6>
+      <a:hlink>
+        <a:srgbClr val="0563C1"/>
+      </a:hlink>
+      <a:folHlink>
+        <a:srgbClr val="954F72"/>
+      </a:folHlink>
+    </a:clrScheme>
+    <a:fontScheme name="Office">
+      <a:majorFont>
+        <a:latin typeface="Calibri Light" panose="020F0302020204030204"/>
+        <a:ea typeface=""/>
+        <a:cs typeface=""/>
+        <a:font script="Jpan" typeface="游ゴシック Light"/>
+        <a:font script="Hang" typeface="맑은 고딕"/>
+        <a:font script="Hans" typeface="等线 Light"/>
+        <a:font script="Hant" typeface="新細明體"/>
+        <a:font script="Arab" typeface="Times New Roman"/>
+        <a:font script="Hebr" typeface="Times New Roman"/>
+        <a:font script="Thai" typeface="Angsana New"/>
+        <a:font script="Ethi" typeface="Nyala"/>
+        <a:font script="Beng" typeface="Vrinda"/>
+        <a:font script="Gujr" typeface="Shruti"/>
+        <a:font script="Khmr" typeface="MoolBoran"/>
+        <a:font script="Knda" typeface="Tunga"/>
+        <a:font script="Guru" typeface="Raavi"/>
+        <a:font script="Cans" typeface="Euphemia"/>
+        <a:font script="Cher" typeface="Plantagenet Cherokee"/>
+        <a:font script="Yiii" typeface="Microsoft Yi Baiti"/>
+        <a:font script="Tibt" typeface="Microsoft Himalaya"/>
+        <a:font script="Thaa" typeface="MV Boli"/>
+        <a:font script="Deva" typeface="Mangal"/>
+        <a:font script="Telu" typeface="Gautami"/>
+        <a:font script="Taml" typeface="Latha"/>
+        <a:font script="Syrc" typeface="Estrangelo Edessa"/>
+        <a:font script="Orya" typeface="Kalinga"/>
+        <a:font script="Mlym" typeface="Kartika"/>
+        <a:font script="Laoo" typeface="DokChampa"/>
+        <a:font script="Sinh" typeface="Iskoola Pota"/>
+        <a:font script="Mong" typeface="Mongolian Baiti"/>
+        <a:font script="Viet" typeface="Times New Roman"/>
+        <a:font script="Uigh" typeface="Microsoft Uighur"/>
+        <a:font script="Geor" typeface="Sylfaen"/>
+        <a:font script="Armn" typeface="Arial"/>
+        <a:font script="Bugi" typeface="Leelawadee UI"/>
+        <a:font script="Bopo" typeface="Microsoft JhengHei"/>
+        <a:font script="Java" typeface="Javanese Text"/>
+        <a:font script="Lisu" typeface="Segoe UI"/>
+        <a:font script="Mymr" typeface="Myanmar Text"/>
+        <a:font script="Nkoo" typeface="Ebrima"/>
+        <a:font script="Olck" typeface="Nirmala UI"/>
+        <a:font script="Osma" typeface="Ebrima"/>
+        <a:font script="Phag" typeface="Phagspa"/>
+        <a:font script="Syrn" typeface="Estrangelo Edessa"/>
+        <a:font script="Syrj" typeface="Estrangelo Edessa"/>
+        <a:font script="Syre" typeface="Estrangelo Edessa"/>
+        <a:font script="Sora" typeface="Nirmala UI"/>
+        <a:font script="Tale" typeface="Microsoft Tai Le"/>
+        <a:font script="Talu" typeface="Microsoft New Tai Lue"/>
+        <a:font script="Tfng" typeface="Ebrima"/>
+      </a:majorFont>
+      <a:minorFont>
+        <a:latin typeface="Calibri" panose="020F0502020204030204"/>
+        <a:ea typeface=""/>
+        <a:cs typeface=""/>
+        <a:font script="Jpan" typeface="游ゴシック"/>
+        <a:font script="Hang" typeface="맑은 고딕"/>
+        <a:font script="Hans" typeface="等线"/>
+        <a:font script="Hant" typeface="新細明體"/>
+        <a:font script="Arab" typeface="Arial"/>
+        <a:font script="Hebr" typeface="Arial"/>
+        <a:font script="Thai" typeface="Cordia New"/>
+        <a:font script="Ethi" typeface="Nyala"/>
+        <a:font script="Beng" typeface="Vrinda"/>
+        <a:font script="Gujr" typeface="Shruti"/>
+        <a:font script="Khmr" typeface="DaunPenh"/>
+        <a:font script="Knda" typeface="Tunga"/>
+        <a:font script="Guru" typeface="Raavi"/>
+        <a:font script="Cans" typeface="Euphemia"/>
+        <a:font script="Cher" typeface="Plantagenet Cherokee"/>
+        <a:font script="Yiii" typeface="Microsoft Yi Baiti"/>
+        <a:font script="Tibt" typeface="Microsoft Himalaya"/>
+        <a:font script="Thaa" typeface="MV Boli"/>
+        <a:font script="Deva" typeface="Mangal"/>
+        <a:font script="Telu" typeface="Gautami"/>
+        <a:font script="Taml" typeface="Latha"/>
+        <a:font script="Syrc" typeface="Estrangelo Edessa"/>
+        <a:font script="Orya" typeface="Kalinga"/>
+        <a:font script="Mlym" typeface="Kartika"/>
+        <a:font script="Laoo" typeface="DokChampa"/>
+        <a:font script="Sinh" typeface="Iskoola Pota"/>
+        <a:font script="Mong" typeface="Mongolian Baiti"/>
+        <a:font script="Viet" typeface="Arial"/>
+        <a:font script="Uigh" typeface="Microsoft Uighur"/>
+        <a:font script="Geor" typeface="Sylfaen"/>
+        <a:font script="Armn" typeface="Arial"/>
+        <a:font script="Bugi" typeface="Leelawadee UI"/>
+        <a:font script="Bopo" typeface="Microsoft JhengHei"/>
+        <a:font script="Java" typeface="Javanese Text"/>
+        <a:font script="Lisu" typeface="Segoe UI"/>
+        <a:font script="Mymr" typeface="Myanmar Text"/>
+        <a:font script="Nkoo" typeface="Ebrima"/>
+        <a:font script="Olck" typeface="Nirmala UI"/>
+        <a:font script="Osma" typeface="Ebrima"/>
+        <a:font script="Phag" typeface="Phagspa"/>
+        <a:font script="Syrn" typeface="Estrangelo Edessa"/>
+        <a:font script="Syrj" typeface="Estrangelo Edessa"/>
+        <a:font script="Syre" typeface="Estrangelo Edessa"/>
+        <a:font script="Sora" typeface="Nirmala UI"/>
+        <a:font script="Tale" typeface="Microsoft Tai Le"/>
+        <a:font script="Talu" typeface="Microsoft New Tai Lue"/>
+        <a:font script="Tfng" typeface="Ebrima"/>
+      </a:minorFont>
+    </a:fontScheme>
+    <a:fmtScheme name="Office">
+      <a:fillStyleLst>
+        <a:solidFill>
+          <a:schemeClr val="phClr"/>
+        </a:solidFill>
+        <a:gradFill rotWithShape="1">
+          <a:gsLst>
+            <a:gs pos="0">
+              <a:schemeClr val="phClr">
+                <a:lumMod val="110000"/>
+                <a:satMod val="105000"/>
+                <a:tint val="67000"/>
+              </a:schemeClr>
+            </a:gs>
+            <a:gs pos="50000">
+              <a:schemeClr val="phClr">
+                <a:lumMod val="105000"/>
+                <a:satMod val="103000"/>
+                <a:tint val="73000"/>
+              </a:schemeClr>
+            </a:gs>
+            <a:gs pos="100000">
+              <a:schemeClr val="phClr">
+                <a:lumMod val="105000"/>
+                <a:satMod val="109000"/>
+                <a:tint val="81000"/>
+              </a:schemeClr>
+            </a:gs>
+          </a:gsLst>
+          <a:lin ang="5400000" scaled="0"/>
+        </a:gradFill>
+        <a:gradFill rotWithShape="1">
+          <a:gsLst>
+            <a:gs pos="0">
+              <a:schemeClr val="phClr">
+                <a:satMod val="103000"/>
+                <a:lumMod val="102000"/>
+                <a:tint val="94000"/>
+              </a:schemeClr>
+            </a:gs>
+            <a:gs pos="50000">
+              <a:schemeClr val="phClr">
+                <a:satMod val="110000"/>
+                <a:lumMod val="100000"/>
+                <a:shade val="100000"/>
+              </a:schemeClr>
+            </a:gs>
+            <a:gs pos="100000">
+              <a:schemeClr val="phClr">
+                <a:lumMod val="99000"/>
+                <a:satMod val="120000"/>
+                <a:shade val="78000"/>
+              </a:schemeClr>
+            </a:gs>
+          </a:gsLst>
+          <a:lin ang="5400000" scaled="0"/>
+        </a:gradFill>
+      </a:fillStyleLst>
+      <a:lnStyleLst>
+        <a:ln w="6350" cap="flat" cmpd="sng" algn="ctr">
+          <a:solidFill>
+            <a:schemeClr val="phClr"/>
+          </a:solidFill>
+          <a:prstDash val="solid"/>
+          <a:miter lim="800000"/>
+        </a:ln>
+        <a:ln w="12700" cap="flat" cmpd="sng" algn="ctr">
+          <a:solidFill>
+            <a:schemeClr val="phClr"/>
+          </a:solidFill>
+          <a:prstDash val="solid"/>
+          <a:miter lim="800000"/>
+        </a:ln>
+        <a:ln w="19050" cap="flat" cmpd="sng" algn="ctr">
+          <a:solidFill>
+            <a:schemeClr val="phClr"/>
+          </a:solidFill>
+          <a:prstDash val="solid"/>
+          <a:miter lim="800000"/>
+        </a:ln>
+      </a:lnStyleLst>
+      <a:effectStyleLst>
+        <a:effectStyle>
+          <a:effectLst/>
+        </a:effectStyle>
+        <a:effectStyle>
+          <a:effectLst/>
+        </a:effectStyle>
+        <a:effectStyle>
+          <a:effectLst>
+            <a:outerShdw blurRad="57150" dist="19050" dir="5400000" algn="ctr" rotWithShape="0">
+              <a:srgbClr val="000000">
+                <a:alpha val="63000"/>
+              </a:srgbClr>
+            </a:outerShdw>
+          </a:effectLst>
+        </a:effectStyle>
+      </a:effectStyleLst>
+      <a:bgFillStyleLst>
+        <a:solidFill>
+          <a:schemeClr val="phClr"/>
+        </a:solidFill>
+        <a:solidFill>
+          <a:schemeClr val="phClr">
+            <a:tint val="95000"/>
+            <a:satMod val="170000"/>
+          </a:schemeClr>
+        </a:solidFill>
+        <a:gradFill rotWithShape="1">
+          <a:gsLst>
+            <a:gs pos="0">
+              <a:schemeClr val="phClr">
+                <a:tint val="93000"/>
+                <a:satMod val="150000"/>
+                <a:shade val="98000"/>
+                <a:lumMod val="102000"/>
+              </a:schemeClr>
+            </a:gs>
+            <a:gs pos="50000">
+              <a:schemeClr val="phClr">
+                <a:tint val="98000"/>
+                <a:satMod val="130000"/>
+                <a:shade val="90000"/>
+                <a:lumMod val="103000"/>
+              </a:schemeClr>
+            </a:gs>
+            <a:gs pos="100000">
+              <a:schemeClr val="phClr">
+                <a:shade val="63000"/>
+                <a:satMod val="120000"/>
+              </a:schemeClr>
+            </a:gs>
+          </a:gsLst>
+          <a:lin ang="5400000" scaled="0"/>
+        </a:gradFill>
+      </a:bgFillStyleLst>
+    </a:fmtScheme>
+  </a:themeElements>
+  <a:objectDefaults/>
+  <a:extraClrSchemeLst/>
+  <a:extLst>
+    <a:ext uri="{05A4C25C-085E-4340-85A3-A5531E510DB2}">
+      <thm15:themeFamily xmlns:thm15="http://schemas.microsoft.com/office/thememl/2012/main" name="Office Theme" id="{62F939B6-93AF-4DB8-9C6B-D6C7DFDC589F}" vid="{4A3C46E8-61CC-4603-A589-7422A47A8E4A}"/>
+    </a:ext>
+  </a:extLst>
+</a:theme>
 </file>